--- a/Session 04 - Programing Datasets using the Tabular Object Model.pptx
+++ b/Session 04 - Programing Datasets using the Tabular Object Model.pptx
@@ -5,28 +5,25 @@
     <p:sldMasterId id="2147484551" r:id="rId4"/>
   </p:sldMasterIdLst>
   <p:notesMasterIdLst>
-    <p:notesMasterId r:id="rId21"/>
+    <p:notesMasterId r:id="rId18"/>
   </p:notesMasterIdLst>
   <p:handoutMasterIdLst>
-    <p:handoutMasterId r:id="rId22"/>
+    <p:handoutMasterId r:id="rId19"/>
   </p:handoutMasterIdLst>
   <p:sldIdLst>
     <p:sldId id="4474" r:id="rId5"/>
     <p:sldId id="4475" r:id="rId6"/>
     <p:sldId id="4483" r:id="rId7"/>
-    <p:sldId id="2066" r:id="rId8"/>
-    <p:sldId id="4484" r:id="rId9"/>
-    <p:sldId id="4485" r:id="rId10"/>
-    <p:sldId id="4486" r:id="rId11"/>
-    <p:sldId id="256" r:id="rId12"/>
-    <p:sldId id="257" r:id="rId13"/>
-    <p:sldId id="258" r:id="rId14"/>
-    <p:sldId id="259" r:id="rId15"/>
-    <p:sldId id="260" r:id="rId16"/>
-    <p:sldId id="261" r:id="rId17"/>
-    <p:sldId id="262" r:id="rId18"/>
-    <p:sldId id="263" r:id="rId19"/>
-    <p:sldId id="4476" r:id="rId20"/>
+    <p:sldId id="4484" r:id="rId8"/>
+    <p:sldId id="2066" r:id="rId9"/>
+    <p:sldId id="258" r:id="rId10"/>
+    <p:sldId id="259" r:id="rId11"/>
+    <p:sldId id="260" r:id="rId12"/>
+    <p:sldId id="261" r:id="rId13"/>
+    <p:sldId id="262" r:id="rId14"/>
+    <p:sldId id="263" r:id="rId15"/>
+    <p:sldId id="4476" r:id="rId16"/>
+    <p:sldId id="4486" r:id="rId17"/>
   </p:sldIdLst>
   <p:sldSz cx="12436475" cy="6994525"/>
   <p:notesSz cx="7010400" cy="9296400"/>
@@ -466,7 +463,7 @@
           <a:p>
             <a:fld id="{DCE60099-03E7-4FA1-8A7F-E6E6CFB0F855}" type="datetime8">
               <a:rPr lang="en-US" smtClean="0"/>
-              <a:t>11/19/2020 9:57 AM</a:t>
+              <a:t>11/19/2020 12:55 PM</a:t>
             </a:fld>
             <a:endParaRPr lang="en-US"/>
           </a:p>
@@ -1193,226 +1190,6 @@
       </p15:sldGuideLst>
     </p:ext>
   </p:extLst>
-</p:sldLayout>
-</file>
-
-<file path=ppt/slideLayouts/slideLayout10.xml><?xml version="1.0" encoding="utf-8"?>
-<p:sldLayout xmlns:a="http://schemas.openxmlformats.org/drawingml/2006/main" xmlns:r="http://schemas.openxmlformats.org/officeDocument/2006/relationships" xmlns:p="http://schemas.openxmlformats.org/presentationml/2006/main" type="title">
-  <p:cSld name="Title Slide">
-    <p:spTree>
-      <p:nvGrpSpPr>
-        <p:cNvPr id="1" name=""/>
-        <p:cNvGrpSpPr/>
-        <p:nvPr/>
-      </p:nvGrpSpPr>
-      <p:grpSpPr>
-        <a:xfrm>
-          <a:off x="0" y="0"/>
-          <a:ext cx="0" cy="0"/>
-          <a:chOff x="0" y="0"/>
-          <a:chExt cx="0" cy="0"/>
-        </a:xfrm>
-      </p:grpSpPr>
-      <p:sp>
-        <p:nvSpPr>
-          <p:cNvPr id="2" name="Title 1">
-            <a:extLst>
-              <a:ext uri="{FF2B5EF4-FFF2-40B4-BE49-F238E27FC236}">
-                <a16:creationId xmlns:a16="http://schemas.microsoft.com/office/drawing/2014/main" id="{E8FB262C-9CC3-4C46-8C7F-2D1AAD6DF612}"/>
-              </a:ext>
-            </a:extLst>
-          </p:cNvPr>
-          <p:cNvSpPr>
-            <a:spLocks noGrp="1"/>
-          </p:cNvSpPr>
-          <p:nvPr>
-            <p:ph type="ctrTitle"/>
-          </p:nvPr>
-        </p:nvSpPr>
-        <p:spPr>
-          <a:xfrm>
-            <a:off x="1554560" y="1884886"/>
-            <a:ext cx="9327356" cy="1694951"/>
-          </a:xfrm>
-        </p:spPr>
-        <p:txBody>
-          <a:bodyPr anchor="b"/>
-          <a:lstStyle>
-            <a:lvl1pPr algn="ctr">
-              <a:defRPr sz="6119"/>
-            </a:lvl1pPr>
-          </a:lstStyle>
-          <a:p>
-            <a:r>
-              <a:rPr lang="en-US"/>
-              <a:t>Click to edit Master title style</a:t>
-            </a:r>
-          </a:p>
-        </p:txBody>
-      </p:sp>
-      <p:sp>
-        <p:nvSpPr>
-          <p:cNvPr id="3" name="Subtitle 2">
-            <a:extLst>
-              <a:ext uri="{FF2B5EF4-FFF2-40B4-BE49-F238E27FC236}">
-                <a16:creationId xmlns:a16="http://schemas.microsoft.com/office/drawing/2014/main" id="{9A218A4C-4369-480D-971A-319AAEA5FACD}"/>
-              </a:ext>
-            </a:extLst>
-          </p:cNvPr>
-          <p:cNvSpPr>
-            <a:spLocks noGrp="1"/>
-          </p:cNvSpPr>
-          <p:nvPr>
-            <p:ph type="subTitle" idx="1"/>
-          </p:nvPr>
-        </p:nvSpPr>
-        <p:spPr>
-          <a:xfrm>
-            <a:off x="1554560" y="3673745"/>
-            <a:ext cx="9327356" cy="376706"/>
-          </a:xfrm>
-        </p:spPr>
-        <p:txBody>
-          <a:bodyPr/>
-          <a:lstStyle>
-            <a:lvl1pPr marL="0" indent="0" algn="ctr">
-              <a:buNone/>
-              <a:defRPr sz="2448"/>
-            </a:lvl1pPr>
-            <a:lvl2pPr marL="466298" indent="0" algn="ctr">
-              <a:buNone/>
-              <a:defRPr sz="2040"/>
-            </a:lvl2pPr>
-            <a:lvl3pPr marL="932597" indent="0" algn="ctr">
-              <a:buNone/>
-              <a:defRPr sz="1836"/>
-            </a:lvl3pPr>
-            <a:lvl4pPr marL="1398895" indent="0" algn="ctr">
-              <a:buNone/>
-              <a:defRPr sz="1632"/>
-            </a:lvl4pPr>
-            <a:lvl5pPr marL="1865193" indent="0" algn="ctr">
-              <a:buNone/>
-              <a:defRPr sz="1632"/>
-            </a:lvl5pPr>
-            <a:lvl6pPr marL="2331491" indent="0" algn="ctr">
-              <a:buNone/>
-              <a:defRPr sz="1632"/>
-            </a:lvl6pPr>
-            <a:lvl7pPr marL="2797790" indent="0" algn="ctr">
-              <a:buNone/>
-              <a:defRPr sz="1632"/>
-            </a:lvl7pPr>
-            <a:lvl8pPr marL="3264088" indent="0" algn="ctr">
-              <a:buNone/>
-              <a:defRPr sz="1632"/>
-            </a:lvl8pPr>
-            <a:lvl9pPr marL="3730386" indent="0" algn="ctr">
-              <a:buNone/>
-              <a:defRPr sz="1632"/>
-            </a:lvl9pPr>
-          </a:lstStyle>
-          <a:p>
-            <a:r>
-              <a:rPr lang="en-US"/>
-              <a:t>Click to edit Master subtitle style</a:t>
-            </a:r>
-          </a:p>
-        </p:txBody>
-      </p:sp>
-      <p:sp>
-        <p:nvSpPr>
-          <p:cNvPr id="4" name="Date Placeholder 3">
-            <a:extLst>
-              <a:ext uri="{FF2B5EF4-FFF2-40B4-BE49-F238E27FC236}">
-                <a16:creationId xmlns:a16="http://schemas.microsoft.com/office/drawing/2014/main" id="{8D92B6A3-B820-4944-9F88-54DE7C5BDF88}"/>
-              </a:ext>
-            </a:extLst>
-          </p:cNvPr>
-          <p:cNvSpPr>
-            <a:spLocks noGrp="1"/>
-          </p:cNvSpPr>
-          <p:nvPr>
-            <p:ph type="dt" sz="half" idx="10"/>
-          </p:nvPr>
-        </p:nvSpPr>
-        <p:spPr/>
-        <p:txBody>
-          <a:bodyPr/>
-          <a:lstStyle/>
-          <a:p>
-            <a:fld id="{23A22EDD-42CD-4FE1-9CE7-79039A9A5689}" type="datetimeFigureOut">
-              <a:rPr lang="en-US" smtClean="0"/>
-              <a:t>11/19/2020</a:t>
-            </a:fld>
-            <a:endParaRPr lang="en-US"/>
-          </a:p>
-        </p:txBody>
-      </p:sp>
-      <p:sp>
-        <p:nvSpPr>
-          <p:cNvPr id="5" name="Footer Placeholder 4">
-            <a:extLst>
-              <a:ext uri="{FF2B5EF4-FFF2-40B4-BE49-F238E27FC236}">
-                <a16:creationId xmlns:a16="http://schemas.microsoft.com/office/drawing/2014/main" id="{A51B51DE-8AE8-4A37-BD0A-6D6B778A5ECA}"/>
-              </a:ext>
-            </a:extLst>
-          </p:cNvPr>
-          <p:cNvSpPr>
-            <a:spLocks noGrp="1"/>
-          </p:cNvSpPr>
-          <p:nvPr>
-            <p:ph type="ftr" sz="quarter" idx="11"/>
-          </p:nvPr>
-        </p:nvSpPr>
-        <p:spPr/>
-        <p:txBody>
-          <a:bodyPr/>
-          <a:lstStyle/>
-          <a:p>
-            <a:endParaRPr lang="en-US"/>
-          </a:p>
-        </p:txBody>
-      </p:sp>
-      <p:sp>
-        <p:nvSpPr>
-          <p:cNvPr id="6" name="Slide Number Placeholder 5">
-            <a:extLst>
-              <a:ext uri="{FF2B5EF4-FFF2-40B4-BE49-F238E27FC236}">
-                <a16:creationId xmlns:a16="http://schemas.microsoft.com/office/drawing/2014/main" id="{D2B3A98B-B435-48F6-ACD3-6EB3CAD5E86E}"/>
-              </a:ext>
-            </a:extLst>
-          </p:cNvPr>
-          <p:cNvSpPr>
-            <a:spLocks noGrp="1"/>
-          </p:cNvSpPr>
-          <p:nvPr>
-            <p:ph type="sldNum" sz="quarter" idx="12"/>
-          </p:nvPr>
-        </p:nvSpPr>
-        <p:spPr/>
-        <p:txBody>
-          <a:bodyPr/>
-          <a:lstStyle/>
-          <a:p>
-            <a:fld id="{1F1E9AC0-35F1-49D6-9D7E-64D96982450E}" type="slidenum">
-              <a:rPr lang="en-US" smtClean="0"/>
-              <a:t>‹#›</a:t>
-            </a:fld>
-            <a:endParaRPr lang="en-US"/>
-          </a:p>
-        </p:txBody>
-      </p:sp>
-    </p:spTree>
-    <p:extLst>
-      <p:ext uri="{BB962C8B-B14F-4D97-AF65-F5344CB8AC3E}">
-        <p14:creationId xmlns:p14="http://schemas.microsoft.com/office/powerpoint/2010/main" val="1271247279"/>
-      </p:ext>
-    </p:extLst>
-  </p:cSld>
-  <p:clrMapOvr>
-    <a:masterClrMapping/>
-  </p:clrMapOvr>
 </p:sldLayout>
 </file>
 
@@ -3154,7 +2931,7 @@
           <p:nvPr userDrawn="1"/>
         </p:nvPicPr>
         <p:blipFill rotWithShape="1">
-          <a:blip r:embed="rId12" cstate="print">
+          <a:blip r:embed="rId11" cstate="print">
             <a:extLst>
               <a:ext uri="{28A0092B-C50C-407E-A947-70E740481C1C}">
                 <a14:useLocalDpi xmlns:a14="http://schemas.microsoft.com/office/drawing/2010/main"/>
@@ -3350,7 +3127,6 @@
     <p:sldLayoutId id="2147484555" r:id="rId7"/>
     <p:sldLayoutId id="2147484567" r:id="rId8"/>
     <p:sldLayoutId id="2147484568" r:id="rId9"/>
-    <p:sldLayoutId id="2147484569" r:id="rId10"/>
   </p:sldLayoutIdLst>
   <p:transition>
     <p:fade/>
@@ -3997,6 +3773,1888 @@
           <a:p>
             <a:r>
               <a:rPr lang="en-NZ" dirty="0"/>
+              <a:t>Exercise 5 – Helper tool</a:t>
+            </a:r>
+            <a:endParaRPr lang="en-US" dirty="0"/>
+          </a:p>
+        </p:txBody>
+      </p:sp>
+      <p:sp>
+        <p:nvSpPr>
+          <p:cNvPr id="3" name="Content Placeholder 2">
+            <a:extLst>
+              <a:ext uri="{FF2B5EF4-FFF2-40B4-BE49-F238E27FC236}">
+                <a16:creationId xmlns:a16="http://schemas.microsoft.com/office/drawing/2014/main" id="{2559A2BB-5125-4AA7-9CDD-2877DED23EF0}"/>
+              </a:ext>
+            </a:extLst>
+          </p:cNvPr>
+          <p:cNvSpPr>
+            <a:spLocks noGrp="1"/>
+          </p:cNvSpPr>
+          <p:nvPr>
+            <p:ph type="body" sz="quarter" idx="10"/>
+          </p:nvPr>
+        </p:nvSpPr>
+        <p:spPr/>
+        <p:txBody>
+          <a:bodyPr>
+            <a:normAutofit/>
+          </a:bodyPr>
+          <a:lstStyle/>
+          <a:p>
+            <a:r>
+              <a:rPr lang="en-NZ" dirty="0"/>
+              <a:t>Interactive tool</a:t>
+            </a:r>
+          </a:p>
+          <a:p>
+            <a:endParaRPr lang="en-NZ" dirty="0"/>
+          </a:p>
+          <a:p>
+            <a:r>
+              <a:rPr lang="en-NZ" dirty="0"/>
+              <a:t>Use as an external tool</a:t>
+            </a:r>
+          </a:p>
+          <a:p>
+            <a:endParaRPr lang="en-NZ" dirty="0"/>
+          </a:p>
+          <a:p>
+            <a:r>
+              <a:rPr lang="en-NZ" dirty="0"/>
+              <a:t>Run queries</a:t>
+            </a:r>
+          </a:p>
+          <a:p>
+            <a:endParaRPr lang="en-NZ" dirty="0"/>
+          </a:p>
+          <a:p>
+            <a:r>
+              <a:rPr lang="en-NZ" dirty="0"/>
+              <a:t>Perform bulk operations not easy to do in other tools</a:t>
+            </a:r>
+          </a:p>
+          <a:p>
+            <a:endParaRPr lang="en-NZ" dirty="0"/>
+          </a:p>
+          <a:p>
+            <a:endParaRPr lang="en-US" dirty="0"/>
+          </a:p>
+        </p:txBody>
+      </p:sp>
+    </p:spTree>
+    <p:extLst>
+      <p:ext uri="{BB962C8B-B14F-4D97-AF65-F5344CB8AC3E}">
+        <p14:creationId xmlns:p14="http://schemas.microsoft.com/office/powerpoint/2010/main" val="1095509522"/>
+      </p:ext>
+    </p:extLst>
+  </p:cSld>
+  <p:clrMapOvr>
+    <a:masterClrMapping/>
+  </p:clrMapOvr>
+  <p:transition>
+    <p:fade/>
+  </p:transition>
+  <p:timing>
+    <p:tnLst>
+      <p:par>
+        <p:cTn id="1" dur="indefinite" restart="never" nodeType="tmRoot">
+          <p:childTnLst>
+            <p:seq concurrent="1" nextAc="seek">
+              <p:cTn id="2" dur="indefinite" nodeType="mainSeq">
+                <p:childTnLst>
+                  <p:par>
+                    <p:cTn id="3" fill="hold">
+                      <p:stCondLst>
+                        <p:cond delay="indefinite"/>
+                      </p:stCondLst>
+                      <p:childTnLst>
+                        <p:par>
+                          <p:cTn id="4" fill="hold">
+                            <p:stCondLst>
+                              <p:cond delay="0"/>
+                            </p:stCondLst>
+                            <p:childTnLst>
+                              <p:par>
+                                <p:cTn id="5" presetID="1" presetClass="entr" presetSubtype="0" fill="hold" grpId="0" nodeType="clickEffect">
+                                  <p:stCondLst>
+                                    <p:cond delay="0"/>
+                                  </p:stCondLst>
+                                  <p:childTnLst>
+                                    <p:set>
+                                      <p:cBhvr>
+                                        <p:cTn id="6" dur="1" fill="hold">
+                                          <p:stCondLst>
+                                            <p:cond delay="0"/>
+                                          </p:stCondLst>
+                                        </p:cTn>
+                                        <p:tgtEl>
+                                          <p:spTgt spid="3">
+                                            <p:txEl>
+                                              <p:pRg st="0" end="0"/>
+                                            </p:txEl>
+                                          </p:spTgt>
+                                        </p:tgtEl>
+                                        <p:attrNameLst>
+                                          <p:attrName>style.visibility</p:attrName>
+                                        </p:attrNameLst>
+                                      </p:cBhvr>
+                                      <p:to>
+                                        <p:strVal val="visible"/>
+                                      </p:to>
+                                    </p:set>
+                                  </p:childTnLst>
+                                </p:cTn>
+                              </p:par>
+                            </p:childTnLst>
+                          </p:cTn>
+                        </p:par>
+                      </p:childTnLst>
+                    </p:cTn>
+                  </p:par>
+                  <p:par>
+                    <p:cTn id="7" fill="hold">
+                      <p:stCondLst>
+                        <p:cond delay="indefinite"/>
+                      </p:stCondLst>
+                      <p:childTnLst>
+                        <p:par>
+                          <p:cTn id="8" fill="hold">
+                            <p:stCondLst>
+                              <p:cond delay="0"/>
+                            </p:stCondLst>
+                            <p:childTnLst>
+                              <p:par>
+                                <p:cTn id="9" presetID="1" presetClass="entr" presetSubtype="0" fill="hold" grpId="0" nodeType="clickEffect">
+                                  <p:stCondLst>
+                                    <p:cond delay="0"/>
+                                  </p:stCondLst>
+                                  <p:childTnLst>
+                                    <p:set>
+                                      <p:cBhvr>
+                                        <p:cTn id="10" dur="1" fill="hold">
+                                          <p:stCondLst>
+                                            <p:cond delay="0"/>
+                                          </p:stCondLst>
+                                        </p:cTn>
+                                        <p:tgtEl>
+                                          <p:spTgt spid="3">
+                                            <p:txEl>
+                                              <p:pRg st="2" end="2"/>
+                                            </p:txEl>
+                                          </p:spTgt>
+                                        </p:tgtEl>
+                                        <p:attrNameLst>
+                                          <p:attrName>style.visibility</p:attrName>
+                                        </p:attrNameLst>
+                                      </p:cBhvr>
+                                      <p:to>
+                                        <p:strVal val="visible"/>
+                                      </p:to>
+                                    </p:set>
+                                  </p:childTnLst>
+                                </p:cTn>
+                              </p:par>
+                            </p:childTnLst>
+                          </p:cTn>
+                        </p:par>
+                      </p:childTnLst>
+                    </p:cTn>
+                  </p:par>
+                  <p:par>
+                    <p:cTn id="11" fill="hold">
+                      <p:stCondLst>
+                        <p:cond delay="indefinite"/>
+                      </p:stCondLst>
+                      <p:childTnLst>
+                        <p:par>
+                          <p:cTn id="12" fill="hold">
+                            <p:stCondLst>
+                              <p:cond delay="0"/>
+                            </p:stCondLst>
+                            <p:childTnLst>
+                              <p:par>
+                                <p:cTn id="13" presetID="1" presetClass="entr" presetSubtype="0" fill="hold" grpId="0" nodeType="clickEffect">
+                                  <p:stCondLst>
+                                    <p:cond delay="0"/>
+                                  </p:stCondLst>
+                                  <p:childTnLst>
+                                    <p:set>
+                                      <p:cBhvr>
+                                        <p:cTn id="14" dur="1" fill="hold">
+                                          <p:stCondLst>
+                                            <p:cond delay="0"/>
+                                          </p:stCondLst>
+                                        </p:cTn>
+                                        <p:tgtEl>
+                                          <p:spTgt spid="3">
+                                            <p:txEl>
+                                              <p:pRg st="4" end="4"/>
+                                            </p:txEl>
+                                          </p:spTgt>
+                                        </p:tgtEl>
+                                        <p:attrNameLst>
+                                          <p:attrName>style.visibility</p:attrName>
+                                        </p:attrNameLst>
+                                      </p:cBhvr>
+                                      <p:to>
+                                        <p:strVal val="visible"/>
+                                      </p:to>
+                                    </p:set>
+                                  </p:childTnLst>
+                                </p:cTn>
+                              </p:par>
+                            </p:childTnLst>
+                          </p:cTn>
+                        </p:par>
+                      </p:childTnLst>
+                    </p:cTn>
+                  </p:par>
+                  <p:par>
+                    <p:cTn id="15" fill="hold">
+                      <p:stCondLst>
+                        <p:cond delay="indefinite"/>
+                      </p:stCondLst>
+                      <p:childTnLst>
+                        <p:par>
+                          <p:cTn id="16" fill="hold">
+                            <p:stCondLst>
+                              <p:cond delay="0"/>
+                            </p:stCondLst>
+                            <p:childTnLst>
+                              <p:par>
+                                <p:cTn id="17" presetID="1" presetClass="entr" presetSubtype="0" fill="hold" grpId="0" nodeType="clickEffect">
+                                  <p:stCondLst>
+                                    <p:cond delay="0"/>
+                                  </p:stCondLst>
+                                  <p:childTnLst>
+                                    <p:set>
+                                      <p:cBhvr>
+                                        <p:cTn id="18" dur="1" fill="hold">
+                                          <p:stCondLst>
+                                            <p:cond delay="0"/>
+                                          </p:stCondLst>
+                                        </p:cTn>
+                                        <p:tgtEl>
+                                          <p:spTgt spid="3">
+                                            <p:txEl>
+                                              <p:pRg st="6" end="6"/>
+                                            </p:txEl>
+                                          </p:spTgt>
+                                        </p:tgtEl>
+                                        <p:attrNameLst>
+                                          <p:attrName>style.visibility</p:attrName>
+                                        </p:attrNameLst>
+                                      </p:cBhvr>
+                                      <p:to>
+                                        <p:strVal val="visible"/>
+                                      </p:to>
+                                    </p:set>
+                                  </p:childTnLst>
+                                </p:cTn>
+                              </p:par>
+                            </p:childTnLst>
+                          </p:cTn>
+                        </p:par>
+                      </p:childTnLst>
+                    </p:cTn>
+                  </p:par>
+                </p:childTnLst>
+              </p:cTn>
+              <p:prevCondLst>
+                <p:cond evt="onPrev" delay="0">
+                  <p:tgtEl>
+                    <p:sldTgt/>
+                  </p:tgtEl>
+                </p:cond>
+              </p:prevCondLst>
+              <p:nextCondLst>
+                <p:cond evt="onNext" delay="0">
+                  <p:tgtEl>
+                    <p:sldTgt/>
+                  </p:tgtEl>
+                </p:cond>
+              </p:nextCondLst>
+            </p:seq>
+          </p:childTnLst>
+        </p:cTn>
+      </p:par>
+    </p:tnLst>
+    <p:bldLst>
+      <p:bldP spid="3" grpId="0" build="p"/>
+    </p:bldLst>
+  </p:timing>
+</p:sld>
+</file>
+
+<file path=ppt/slides/slide11.xml><?xml version="1.0" encoding="utf-8"?>
+<p:sld xmlns:a="http://schemas.openxmlformats.org/drawingml/2006/main" xmlns:r="http://schemas.openxmlformats.org/officeDocument/2006/relationships" xmlns:p="http://schemas.openxmlformats.org/presentationml/2006/main">
+  <p:cSld>
+    <p:bg>
+      <p:bgPr>
+        <a:solidFill>
+          <a:schemeClr val="accent1"/>
+        </a:solidFill>
+        <a:effectLst/>
+      </p:bgPr>
+    </p:bg>
+    <p:spTree>
+      <p:nvGrpSpPr>
+        <p:cNvPr id="1" name=""/>
+        <p:cNvGrpSpPr/>
+        <p:nvPr/>
+      </p:nvGrpSpPr>
+      <p:grpSpPr>
+        <a:xfrm>
+          <a:off x="0" y="0"/>
+          <a:ext cx="0" cy="0"/>
+          <a:chOff x="0" y="0"/>
+          <a:chExt cx="0" cy="0"/>
+        </a:xfrm>
+      </p:grpSpPr>
+      <p:sp>
+        <p:nvSpPr>
+          <p:cNvPr id="2" name="Title 1">
+            <a:extLst>
+              <a:ext uri="{FF2B5EF4-FFF2-40B4-BE49-F238E27FC236}">
+                <a16:creationId xmlns:a16="http://schemas.microsoft.com/office/drawing/2014/main" id="{B3656D3D-0530-4EC3-BD87-8EA0C7A590DD}"/>
+              </a:ext>
+            </a:extLst>
+          </p:cNvPr>
+          <p:cNvSpPr>
+            <a:spLocks noGrp="1"/>
+          </p:cNvSpPr>
+          <p:nvPr>
+            <p:ph type="title"/>
+          </p:nvPr>
+        </p:nvSpPr>
+        <p:spPr/>
+        <p:txBody>
+          <a:bodyPr/>
+          <a:lstStyle/>
+          <a:p>
+            <a:r>
+              <a:rPr lang="en-NZ" dirty="0"/>
+              <a:t>Summary – Programming with TOM</a:t>
+            </a:r>
+            <a:endParaRPr lang="en-US" dirty="0"/>
+          </a:p>
+        </p:txBody>
+      </p:sp>
+      <p:sp>
+        <p:nvSpPr>
+          <p:cNvPr id="3" name="Content Placeholder 2">
+            <a:extLst>
+              <a:ext uri="{FF2B5EF4-FFF2-40B4-BE49-F238E27FC236}">
+                <a16:creationId xmlns:a16="http://schemas.microsoft.com/office/drawing/2014/main" id="{2559A2BB-5125-4AA7-9CDD-2877DED23EF0}"/>
+              </a:ext>
+            </a:extLst>
+          </p:cNvPr>
+          <p:cNvSpPr>
+            <a:spLocks noGrp="1"/>
+          </p:cNvSpPr>
+          <p:nvPr>
+            <p:ph type="body" sz="quarter" idx="10"/>
+          </p:nvPr>
+        </p:nvSpPr>
+        <p:spPr/>
+        <p:txBody>
+          <a:bodyPr>
+            <a:normAutofit lnSpcReduction="10000"/>
+          </a:bodyPr>
+          <a:lstStyle/>
+          <a:p>
+            <a:r>
+              <a:rPr lang="en-NZ" dirty="0"/>
+              <a:t>Great for automating tasks</a:t>
+            </a:r>
+          </a:p>
+          <a:p>
+            <a:endParaRPr lang="en-NZ" dirty="0"/>
+          </a:p>
+          <a:p>
+            <a:r>
+              <a:rPr lang="en-NZ" dirty="0"/>
+              <a:t>Super Flexible</a:t>
+            </a:r>
+          </a:p>
+          <a:p>
+            <a:endParaRPr lang="en-NZ" dirty="0"/>
+          </a:p>
+          <a:p>
+            <a:r>
+              <a:rPr lang="en-NZ" dirty="0"/>
+              <a:t>You should use Tabular Editor and DAX Studio first</a:t>
+            </a:r>
+          </a:p>
+          <a:p>
+            <a:endParaRPr lang="en-NZ" dirty="0"/>
+          </a:p>
+          <a:p>
+            <a:r>
+              <a:rPr lang="en-NZ" dirty="0"/>
+              <a:t>But scripting is fun</a:t>
+            </a:r>
+          </a:p>
+          <a:p>
+            <a:endParaRPr lang="en-NZ" dirty="0"/>
+          </a:p>
+          <a:p>
+            <a:r>
+              <a:rPr lang="en-NZ" dirty="0"/>
+              <a:t>Can create an entire database from scratch</a:t>
+            </a:r>
+          </a:p>
+          <a:p>
+            <a:endParaRPr lang="en-NZ" dirty="0"/>
+          </a:p>
+          <a:p>
+            <a:endParaRPr lang="en-US" dirty="0"/>
+          </a:p>
+        </p:txBody>
+      </p:sp>
+    </p:spTree>
+    <p:extLst>
+      <p:ext uri="{BB962C8B-B14F-4D97-AF65-F5344CB8AC3E}">
+        <p14:creationId xmlns:p14="http://schemas.microsoft.com/office/powerpoint/2010/main" val="773620124"/>
+      </p:ext>
+    </p:extLst>
+  </p:cSld>
+  <p:clrMapOvr>
+    <a:masterClrMapping/>
+  </p:clrMapOvr>
+  <p:transition>
+    <p:fade/>
+  </p:transition>
+  <p:timing>
+    <p:tnLst>
+      <p:par>
+        <p:cTn id="1" dur="indefinite" restart="never" nodeType="tmRoot">
+          <p:childTnLst>
+            <p:seq concurrent="1" nextAc="seek">
+              <p:cTn id="2" dur="indefinite" nodeType="mainSeq">
+                <p:childTnLst>
+                  <p:par>
+                    <p:cTn id="3" fill="hold">
+                      <p:stCondLst>
+                        <p:cond delay="indefinite"/>
+                      </p:stCondLst>
+                      <p:childTnLst>
+                        <p:par>
+                          <p:cTn id="4" fill="hold">
+                            <p:stCondLst>
+                              <p:cond delay="0"/>
+                            </p:stCondLst>
+                            <p:childTnLst>
+                              <p:par>
+                                <p:cTn id="5" presetID="1" presetClass="entr" presetSubtype="0" fill="hold" grpId="0" nodeType="clickEffect">
+                                  <p:stCondLst>
+                                    <p:cond delay="0"/>
+                                  </p:stCondLst>
+                                  <p:childTnLst>
+                                    <p:set>
+                                      <p:cBhvr>
+                                        <p:cTn id="6" dur="1" fill="hold">
+                                          <p:stCondLst>
+                                            <p:cond delay="0"/>
+                                          </p:stCondLst>
+                                        </p:cTn>
+                                        <p:tgtEl>
+                                          <p:spTgt spid="3">
+                                            <p:txEl>
+                                              <p:pRg st="0" end="0"/>
+                                            </p:txEl>
+                                          </p:spTgt>
+                                        </p:tgtEl>
+                                        <p:attrNameLst>
+                                          <p:attrName>style.visibility</p:attrName>
+                                        </p:attrNameLst>
+                                      </p:cBhvr>
+                                      <p:to>
+                                        <p:strVal val="visible"/>
+                                      </p:to>
+                                    </p:set>
+                                  </p:childTnLst>
+                                </p:cTn>
+                              </p:par>
+                            </p:childTnLst>
+                          </p:cTn>
+                        </p:par>
+                      </p:childTnLst>
+                    </p:cTn>
+                  </p:par>
+                  <p:par>
+                    <p:cTn id="7" fill="hold">
+                      <p:stCondLst>
+                        <p:cond delay="indefinite"/>
+                      </p:stCondLst>
+                      <p:childTnLst>
+                        <p:par>
+                          <p:cTn id="8" fill="hold">
+                            <p:stCondLst>
+                              <p:cond delay="0"/>
+                            </p:stCondLst>
+                            <p:childTnLst>
+                              <p:par>
+                                <p:cTn id="9" presetID="1" presetClass="entr" presetSubtype="0" fill="hold" grpId="0" nodeType="clickEffect">
+                                  <p:stCondLst>
+                                    <p:cond delay="0"/>
+                                  </p:stCondLst>
+                                  <p:childTnLst>
+                                    <p:set>
+                                      <p:cBhvr>
+                                        <p:cTn id="10" dur="1" fill="hold">
+                                          <p:stCondLst>
+                                            <p:cond delay="0"/>
+                                          </p:stCondLst>
+                                        </p:cTn>
+                                        <p:tgtEl>
+                                          <p:spTgt spid="3">
+                                            <p:txEl>
+                                              <p:pRg st="2" end="2"/>
+                                            </p:txEl>
+                                          </p:spTgt>
+                                        </p:tgtEl>
+                                        <p:attrNameLst>
+                                          <p:attrName>style.visibility</p:attrName>
+                                        </p:attrNameLst>
+                                      </p:cBhvr>
+                                      <p:to>
+                                        <p:strVal val="visible"/>
+                                      </p:to>
+                                    </p:set>
+                                  </p:childTnLst>
+                                </p:cTn>
+                              </p:par>
+                            </p:childTnLst>
+                          </p:cTn>
+                        </p:par>
+                      </p:childTnLst>
+                    </p:cTn>
+                  </p:par>
+                  <p:par>
+                    <p:cTn id="11" fill="hold">
+                      <p:stCondLst>
+                        <p:cond delay="indefinite"/>
+                      </p:stCondLst>
+                      <p:childTnLst>
+                        <p:par>
+                          <p:cTn id="12" fill="hold">
+                            <p:stCondLst>
+                              <p:cond delay="0"/>
+                            </p:stCondLst>
+                            <p:childTnLst>
+                              <p:par>
+                                <p:cTn id="13" presetID="1" presetClass="entr" presetSubtype="0" fill="hold" grpId="0" nodeType="clickEffect">
+                                  <p:stCondLst>
+                                    <p:cond delay="0"/>
+                                  </p:stCondLst>
+                                  <p:childTnLst>
+                                    <p:set>
+                                      <p:cBhvr>
+                                        <p:cTn id="14" dur="1" fill="hold">
+                                          <p:stCondLst>
+                                            <p:cond delay="0"/>
+                                          </p:stCondLst>
+                                        </p:cTn>
+                                        <p:tgtEl>
+                                          <p:spTgt spid="3">
+                                            <p:txEl>
+                                              <p:pRg st="4" end="4"/>
+                                            </p:txEl>
+                                          </p:spTgt>
+                                        </p:tgtEl>
+                                        <p:attrNameLst>
+                                          <p:attrName>style.visibility</p:attrName>
+                                        </p:attrNameLst>
+                                      </p:cBhvr>
+                                      <p:to>
+                                        <p:strVal val="visible"/>
+                                      </p:to>
+                                    </p:set>
+                                  </p:childTnLst>
+                                </p:cTn>
+                              </p:par>
+                            </p:childTnLst>
+                          </p:cTn>
+                        </p:par>
+                      </p:childTnLst>
+                    </p:cTn>
+                  </p:par>
+                  <p:par>
+                    <p:cTn id="15" fill="hold">
+                      <p:stCondLst>
+                        <p:cond delay="indefinite"/>
+                      </p:stCondLst>
+                      <p:childTnLst>
+                        <p:par>
+                          <p:cTn id="16" fill="hold">
+                            <p:stCondLst>
+                              <p:cond delay="0"/>
+                            </p:stCondLst>
+                            <p:childTnLst>
+                              <p:par>
+                                <p:cTn id="17" presetID="1" presetClass="entr" presetSubtype="0" fill="hold" grpId="0" nodeType="clickEffect">
+                                  <p:stCondLst>
+                                    <p:cond delay="0"/>
+                                  </p:stCondLst>
+                                  <p:childTnLst>
+                                    <p:set>
+                                      <p:cBhvr>
+                                        <p:cTn id="18" dur="1" fill="hold">
+                                          <p:stCondLst>
+                                            <p:cond delay="0"/>
+                                          </p:stCondLst>
+                                        </p:cTn>
+                                        <p:tgtEl>
+                                          <p:spTgt spid="3">
+                                            <p:txEl>
+                                              <p:pRg st="6" end="6"/>
+                                            </p:txEl>
+                                          </p:spTgt>
+                                        </p:tgtEl>
+                                        <p:attrNameLst>
+                                          <p:attrName>style.visibility</p:attrName>
+                                        </p:attrNameLst>
+                                      </p:cBhvr>
+                                      <p:to>
+                                        <p:strVal val="visible"/>
+                                      </p:to>
+                                    </p:set>
+                                  </p:childTnLst>
+                                </p:cTn>
+                              </p:par>
+                            </p:childTnLst>
+                          </p:cTn>
+                        </p:par>
+                      </p:childTnLst>
+                    </p:cTn>
+                  </p:par>
+                  <p:par>
+                    <p:cTn id="19" fill="hold">
+                      <p:stCondLst>
+                        <p:cond delay="indefinite"/>
+                      </p:stCondLst>
+                      <p:childTnLst>
+                        <p:par>
+                          <p:cTn id="20" fill="hold">
+                            <p:stCondLst>
+                              <p:cond delay="0"/>
+                            </p:stCondLst>
+                            <p:childTnLst>
+                              <p:par>
+                                <p:cTn id="21" presetID="1" presetClass="entr" presetSubtype="0" fill="hold" grpId="0" nodeType="clickEffect">
+                                  <p:stCondLst>
+                                    <p:cond delay="0"/>
+                                  </p:stCondLst>
+                                  <p:childTnLst>
+                                    <p:set>
+                                      <p:cBhvr>
+                                        <p:cTn id="22" dur="1" fill="hold">
+                                          <p:stCondLst>
+                                            <p:cond delay="0"/>
+                                          </p:stCondLst>
+                                        </p:cTn>
+                                        <p:tgtEl>
+                                          <p:spTgt spid="3">
+                                            <p:txEl>
+                                              <p:pRg st="8" end="8"/>
+                                            </p:txEl>
+                                          </p:spTgt>
+                                        </p:tgtEl>
+                                        <p:attrNameLst>
+                                          <p:attrName>style.visibility</p:attrName>
+                                        </p:attrNameLst>
+                                      </p:cBhvr>
+                                      <p:to>
+                                        <p:strVal val="visible"/>
+                                      </p:to>
+                                    </p:set>
+                                  </p:childTnLst>
+                                </p:cTn>
+                              </p:par>
+                            </p:childTnLst>
+                          </p:cTn>
+                        </p:par>
+                      </p:childTnLst>
+                    </p:cTn>
+                  </p:par>
+                </p:childTnLst>
+              </p:cTn>
+              <p:prevCondLst>
+                <p:cond evt="onPrev" delay="0">
+                  <p:tgtEl>
+                    <p:sldTgt/>
+                  </p:tgtEl>
+                </p:cond>
+              </p:prevCondLst>
+              <p:nextCondLst>
+                <p:cond evt="onNext" delay="0">
+                  <p:tgtEl>
+                    <p:sldTgt/>
+                  </p:tgtEl>
+                </p:cond>
+              </p:nextCondLst>
+            </p:seq>
+          </p:childTnLst>
+        </p:cTn>
+      </p:par>
+    </p:tnLst>
+    <p:bldLst>
+      <p:bldP spid="3" grpId="0" build="p"/>
+    </p:bldLst>
+  </p:timing>
+</p:sld>
+</file>
+
+<file path=ppt/slides/slide12.xml><?xml version="1.0" encoding="utf-8"?>
+<p:sld xmlns:a="http://schemas.openxmlformats.org/drawingml/2006/main" xmlns:r="http://schemas.openxmlformats.org/officeDocument/2006/relationships" xmlns:p="http://schemas.openxmlformats.org/presentationml/2006/main">
+  <p:cSld>
+    <p:bg>
+      <p:bgPr>
+        <a:solidFill>
+          <a:srgbClr val="F2C80F"/>
+        </a:solidFill>
+        <a:effectLst/>
+      </p:bgPr>
+    </p:bg>
+    <p:spTree>
+      <p:nvGrpSpPr>
+        <p:cNvPr id="1" name=""/>
+        <p:cNvGrpSpPr/>
+        <p:nvPr/>
+      </p:nvGrpSpPr>
+      <p:grpSpPr>
+        <a:xfrm>
+          <a:off x="0" y="0"/>
+          <a:ext cx="0" cy="0"/>
+          <a:chOff x="0" y="0"/>
+          <a:chExt cx="0" cy="0"/>
+        </a:xfrm>
+      </p:grpSpPr>
+      <p:sp>
+        <p:nvSpPr>
+          <p:cNvPr id="16" name="Title 15"/>
+          <p:cNvSpPr>
+            <a:spLocks noGrp="1"/>
+          </p:cNvSpPr>
+          <p:nvPr>
+            <p:ph type="title"/>
+          </p:nvPr>
+        </p:nvSpPr>
+        <p:spPr>
+          <a:xfrm>
+            <a:off x="1426672" y="2185923"/>
+            <a:ext cx="7604124" cy="3629025"/>
+          </a:xfrm>
+        </p:spPr>
+        <p:txBody>
+          <a:bodyPr/>
+          <a:lstStyle/>
+          <a:p>
+            <a:r>
+              <a:rPr lang="en-US" dirty="0">
+                <a:solidFill>
+                  <a:srgbClr val="000000"/>
+                </a:solidFill>
+              </a:rPr>
+              <a:t>Questions</a:t>
+            </a:r>
+          </a:p>
+        </p:txBody>
+      </p:sp>
+      <p:sp>
+        <p:nvSpPr>
+          <p:cNvPr id="4" name="Rectangle 3">
+            <a:extLst>
+              <a:ext uri="{FF2B5EF4-FFF2-40B4-BE49-F238E27FC236}">
+                <a16:creationId xmlns:a16="http://schemas.microsoft.com/office/drawing/2014/main" id="{1D8A1489-8FB9-4FBF-BA2F-7EA5E6B44437}"/>
+              </a:ext>
+            </a:extLst>
+          </p:cNvPr>
+          <p:cNvSpPr/>
+          <p:nvPr/>
+        </p:nvSpPr>
+        <p:spPr bwMode="auto">
+          <a:xfrm>
+            <a:off x="169682" y="6268825"/>
+            <a:ext cx="2215299" cy="650449"/>
+          </a:xfrm>
+          <a:prstGeom prst="rect">
+            <a:avLst/>
+          </a:prstGeom>
+          <a:solidFill>
+            <a:srgbClr val="F2C80F"/>
+          </a:solidFill>
+          <a:ln>
+            <a:noFill/>
+            <a:headEnd type="none" w="med" len="med"/>
+            <a:tailEnd type="none" w="med" len="med"/>
+          </a:ln>
+          <a:effectLst/>
+        </p:spPr>
+        <p:style>
+          <a:lnRef idx="1">
+            <a:schemeClr val="accent2"/>
+          </a:lnRef>
+          <a:fillRef idx="3">
+            <a:schemeClr val="accent2"/>
+          </a:fillRef>
+          <a:effectRef idx="2">
+            <a:schemeClr val="accent2"/>
+          </a:effectRef>
+          <a:fontRef idx="minor">
+            <a:schemeClr val="lt1"/>
+          </a:fontRef>
+        </p:style>
+        <p:txBody>
+          <a:bodyPr rot="0" spcFirstLastPara="0" vertOverflow="overflow" horzOverflow="overflow" vert="horz" wrap="square" lIns="182880" tIns="146304" rIns="182880" bIns="146304" numCol="1" spcCol="0" rtlCol="0" fromWordArt="0" anchor="t" anchorCtr="0" forceAA="0" compatLnSpc="1">
+            <a:prstTxWarp prst="textNoShape">
+              <a:avLst/>
+            </a:prstTxWarp>
+            <a:noAutofit/>
+          </a:bodyPr>
+          <a:lstStyle/>
+          <a:p>
+            <a:pPr algn="ctr" defTabSz="932472" fontAlgn="base">
+              <a:lnSpc>
+                <a:spcPct val="90000"/>
+              </a:lnSpc>
+              <a:spcBef>
+                <a:spcPct val="0"/>
+              </a:spcBef>
+              <a:spcAft>
+                <a:spcPct val="0"/>
+              </a:spcAft>
+            </a:pPr>
+            <a:endParaRPr lang="en-US" sz="2400" err="1">
+              <a:gradFill>
+                <a:gsLst>
+                  <a:gs pos="0">
+                    <a:srgbClr val="FFFFFF"/>
+                  </a:gs>
+                  <a:gs pos="100000">
+                    <a:srgbClr val="FFFFFF"/>
+                  </a:gs>
+                </a:gsLst>
+                <a:lin ang="5400000" scaled="0"/>
+              </a:gradFill>
+              <a:ea typeface="Segoe UI" pitchFamily="34" charset="0"/>
+              <a:cs typeface="Segoe UI" pitchFamily="34" charset="0"/>
+            </a:endParaRPr>
+          </a:p>
+        </p:txBody>
+      </p:sp>
+    </p:spTree>
+    <p:extLst>
+      <p:ext uri="{BB962C8B-B14F-4D97-AF65-F5344CB8AC3E}">
+        <p14:creationId xmlns:p14="http://schemas.microsoft.com/office/powerpoint/2010/main" val="3548281037"/>
+      </p:ext>
+    </p:extLst>
+  </p:cSld>
+  <p:clrMapOvr>
+    <a:overrideClrMapping bg1="lt1" tx1="dk1" bg2="lt2" tx2="dk2" accent1="accent1" accent2="accent2" accent3="accent3" accent4="accent4" accent5="accent5" accent6="accent6" hlink="hlink" folHlink="folHlink"/>
+  </p:clrMapOvr>
+  <p:transition>
+    <p:fade/>
+  </p:transition>
+</p:sld>
+</file>
+
+<file path=ppt/slides/slide13.xml><?xml version="1.0" encoding="utf-8"?>
+<p:sld xmlns:a="http://schemas.openxmlformats.org/drawingml/2006/main" xmlns:r="http://schemas.openxmlformats.org/officeDocument/2006/relationships" xmlns:p="http://schemas.openxmlformats.org/presentationml/2006/main">
+  <p:cSld>
+    <p:spTree>
+      <p:nvGrpSpPr>
+        <p:cNvPr id="1" name=""/>
+        <p:cNvGrpSpPr/>
+        <p:nvPr/>
+      </p:nvGrpSpPr>
+      <p:grpSpPr>
+        <a:xfrm>
+          <a:off x="0" y="0"/>
+          <a:ext cx="0" cy="0"/>
+          <a:chOff x="0" y="0"/>
+          <a:chExt cx="0" cy="0"/>
+        </a:xfrm>
+      </p:grpSpPr>
+      <p:sp>
+        <p:nvSpPr>
+          <p:cNvPr id="2" name="Title 1">
+            <a:extLst>
+              <a:ext uri="{FF2B5EF4-FFF2-40B4-BE49-F238E27FC236}">
+                <a16:creationId xmlns:a16="http://schemas.microsoft.com/office/drawing/2014/main" id="{BA448CDD-1813-4A8E-AD5D-E862E720A653}"/>
+              </a:ext>
+            </a:extLst>
+          </p:cNvPr>
+          <p:cNvSpPr>
+            <a:spLocks noGrp="1"/>
+          </p:cNvSpPr>
+          <p:nvPr>
+            <p:ph type="title"/>
+          </p:nvPr>
+        </p:nvSpPr>
+        <p:spPr/>
+        <p:txBody>
+          <a:bodyPr/>
+          <a:lstStyle/>
+          <a:p>
+            <a:r>
+              <a:rPr lang="en-US" dirty="0"/>
+              <a:t>Find Port</a:t>
+            </a:r>
+          </a:p>
+        </p:txBody>
+      </p:sp>
+      <p:sp>
+        <p:nvSpPr>
+          <p:cNvPr id="3" name="Text Placeholder 2">
+            <a:extLst>
+              <a:ext uri="{FF2B5EF4-FFF2-40B4-BE49-F238E27FC236}">
+                <a16:creationId xmlns:a16="http://schemas.microsoft.com/office/drawing/2014/main" id="{717015C5-2838-4DDB-9C0D-01AAD25A210B}"/>
+              </a:ext>
+            </a:extLst>
+          </p:cNvPr>
+          <p:cNvSpPr>
+            <a:spLocks noGrp="1"/>
+          </p:cNvSpPr>
+          <p:nvPr>
+            <p:ph type="body" sz="quarter" idx="10"/>
+          </p:nvPr>
+        </p:nvSpPr>
+        <p:spPr>
+          <a:xfrm>
+            <a:off x="588263" y="1378083"/>
+            <a:ext cx="11239464" cy="1539845"/>
+          </a:xfrm>
+        </p:spPr>
+        <p:txBody>
+          <a:bodyPr/>
+          <a:lstStyle/>
+          <a:p>
+            <a:r>
+              <a:rPr lang="en-US" sz="2000" dirty="0">
+                <a:latin typeface="+mn-lt"/>
+              </a:rPr>
+              <a:t>For downloaded PBIDT</a:t>
+            </a:r>
+          </a:p>
+          <a:p>
+            <a:pPr lvl="1"/>
+            <a:r>
+              <a:rPr lang="en-US" sz="1800" dirty="0"/>
+              <a:t>%</a:t>
+            </a:r>
+            <a:r>
+              <a:rPr lang="en-US" sz="1800" dirty="0" err="1"/>
+              <a:t>LocalAppData</a:t>
+            </a:r>
+            <a:r>
+              <a:rPr lang="en-US" sz="1800" dirty="0"/>
+              <a:t>%\Microsoft\Power BI Desktop\</a:t>
+            </a:r>
+            <a:r>
+              <a:rPr lang="en-US" sz="1800" dirty="0" err="1"/>
+              <a:t>AnalysisServicesWorkspaces</a:t>
+            </a:r>
+            <a:r>
+              <a:rPr lang="en-US" sz="1800" dirty="0"/>
+              <a:t>\Data\msmdsrv.port.txt</a:t>
+            </a:r>
+          </a:p>
+          <a:p>
+            <a:r>
+              <a:rPr lang="en-US" sz="2000" dirty="0">
+                <a:latin typeface="+mn-lt"/>
+              </a:rPr>
+              <a:t>For PBIDT from Store</a:t>
+            </a:r>
+          </a:p>
+          <a:p>
+            <a:pPr lvl="1"/>
+            <a:r>
+              <a:rPr lang="en-US" sz="1800" b="0" i="1" dirty="0">
+                <a:effectLst/>
+              </a:rPr>
+              <a:t>%</a:t>
+            </a:r>
+            <a:r>
+              <a:rPr lang="en-US" sz="1800" b="0" i="1" dirty="0" err="1">
+                <a:effectLst/>
+              </a:rPr>
+              <a:t>userprofile</a:t>
+            </a:r>
+            <a:r>
+              <a:rPr lang="en-US" sz="1800" b="0" i="1" dirty="0">
+                <a:effectLst/>
+              </a:rPr>
+              <a:t>%\Microsoft\Power BI Desktop Store App\</a:t>
+            </a:r>
+            <a:r>
+              <a:rPr lang="en-US" sz="1800" b="0" i="1" dirty="0" err="1">
+                <a:effectLst/>
+              </a:rPr>
+              <a:t>AnalysisServicesWorkspaces</a:t>
+            </a:r>
+            <a:r>
+              <a:rPr lang="en-US" sz="1800" b="0" i="1" dirty="0">
+                <a:effectLst/>
+              </a:rPr>
+              <a:t>\Data\msmdsrv.port.txt</a:t>
+            </a:r>
+            <a:endParaRPr lang="en-US" sz="1800" dirty="0"/>
+          </a:p>
+        </p:txBody>
+      </p:sp>
+      <p:pic>
+        <p:nvPicPr>
+          <p:cNvPr id="5" name="Picture 4">
+            <a:extLst>
+              <a:ext uri="{FF2B5EF4-FFF2-40B4-BE49-F238E27FC236}">
+                <a16:creationId xmlns:a16="http://schemas.microsoft.com/office/drawing/2014/main" id="{9CA28E41-2D23-4533-A4B9-E21480E0B1E8}"/>
+              </a:ext>
+            </a:extLst>
+          </p:cNvPr>
+          <p:cNvPicPr>
+            <a:picLocks noChangeAspect="1"/>
+          </p:cNvPicPr>
+          <p:nvPr/>
+        </p:nvPicPr>
+        <p:blipFill>
+          <a:blip r:embed="rId2"/>
+          <a:stretch>
+            <a:fillRect/>
+          </a:stretch>
+        </p:blipFill>
+        <p:spPr>
+          <a:xfrm>
+            <a:off x="1225478" y="3284813"/>
+            <a:ext cx="5480484" cy="3324228"/>
+          </a:xfrm>
+          <a:prstGeom prst="rect">
+            <a:avLst/>
+          </a:prstGeom>
+          <a:ln>
+            <a:solidFill>
+              <a:schemeClr val="bg2">
+                <a:lumMod val="75000"/>
+              </a:schemeClr>
+            </a:solidFill>
+          </a:ln>
+        </p:spPr>
+      </p:pic>
+    </p:spTree>
+    <p:extLst>
+      <p:ext uri="{BB962C8B-B14F-4D97-AF65-F5344CB8AC3E}">
+        <p14:creationId xmlns:p14="http://schemas.microsoft.com/office/powerpoint/2010/main" val="3656084257"/>
+      </p:ext>
+    </p:extLst>
+  </p:cSld>
+  <p:clrMapOvr>
+    <a:masterClrMapping/>
+  </p:clrMapOvr>
+  <p:transition>
+    <p:fade/>
+  </p:transition>
+</p:sld>
+</file>
+
+<file path=ppt/slides/slide2.xml><?xml version="1.0" encoding="utf-8"?>
+<p:sld xmlns:a="http://schemas.openxmlformats.org/drawingml/2006/main" xmlns:r="http://schemas.openxmlformats.org/officeDocument/2006/relationships" xmlns:p="http://schemas.openxmlformats.org/presentationml/2006/main">
+  <p:cSld>
+    <p:bg>
+      <p:bgPr>
+        <a:solidFill>
+          <a:srgbClr val="F2C80F"/>
+        </a:solidFill>
+        <a:effectLst/>
+      </p:bgPr>
+    </p:bg>
+    <p:spTree>
+      <p:nvGrpSpPr>
+        <p:cNvPr id="1" name=""/>
+        <p:cNvGrpSpPr/>
+        <p:nvPr/>
+      </p:nvGrpSpPr>
+      <p:grpSpPr>
+        <a:xfrm>
+          <a:off x="0" y="0"/>
+          <a:ext cx="0" cy="0"/>
+          <a:chOff x="0" y="0"/>
+          <a:chExt cx="0" cy="0"/>
+        </a:xfrm>
+      </p:grpSpPr>
+      <p:sp>
+        <p:nvSpPr>
+          <p:cNvPr id="9" name="Text Placeholder 8">
+            <a:extLst>
+              <a:ext uri="{FF2B5EF4-FFF2-40B4-BE49-F238E27FC236}">
+                <a16:creationId xmlns:a16="http://schemas.microsoft.com/office/drawing/2014/main" id="{ED37EFFF-D41E-43BC-806B-0841F366608D}"/>
+              </a:ext>
+            </a:extLst>
+          </p:cNvPr>
+          <p:cNvSpPr>
+            <a:spLocks noGrp="1"/>
+          </p:cNvSpPr>
+          <p:nvPr>
+            <p:ph type="body" sz="quarter" idx="16"/>
+          </p:nvPr>
+        </p:nvSpPr>
+        <p:spPr>
+          <a:xfrm>
+            <a:off x="474162" y="4944165"/>
+            <a:ext cx="9801726" cy="984885"/>
+          </a:xfrm>
+        </p:spPr>
+        <p:txBody>
+          <a:bodyPr/>
+          <a:lstStyle/>
+          <a:p>
+            <a:pPr lvl="1"/>
+            <a:r>
+              <a:rPr lang="en-US" sz="2800" dirty="0">
+                <a:solidFill>
+                  <a:srgbClr val="000000"/>
+                </a:solidFill>
+              </a:rPr>
+              <a:t>Phil Seamark &amp; Ted Pattison</a:t>
+            </a:r>
+          </a:p>
+          <a:p>
+            <a:pPr lvl="1"/>
+            <a:r>
+              <a:rPr lang="en-US" dirty="0">
+                <a:solidFill>
+                  <a:srgbClr val="000000"/>
+                </a:solidFill>
+              </a:rPr>
+              <a:t>Principal Program Managers</a:t>
+            </a:r>
+          </a:p>
+          <a:p>
+            <a:pPr lvl="1"/>
+            <a:r>
+              <a:rPr lang="en-US" dirty="0">
+                <a:solidFill>
+                  <a:srgbClr val="000000"/>
+                </a:solidFill>
+              </a:rPr>
+              <a:t>Customer Advisory Team (CAT) at Microsoft</a:t>
+            </a:r>
+          </a:p>
+        </p:txBody>
+      </p:sp>
+      <p:sp>
+        <p:nvSpPr>
+          <p:cNvPr id="13" name="Title 6"/>
+          <p:cNvSpPr>
+            <a:spLocks noGrp="1"/>
+          </p:cNvSpPr>
+          <p:nvPr>
+            <p:ph type="title"/>
+          </p:nvPr>
+        </p:nvSpPr>
+        <p:spPr>
+          <a:xfrm>
+            <a:off x="474162" y="2481742"/>
+            <a:ext cx="11053773" cy="1246495"/>
+          </a:xfrm>
+        </p:spPr>
+        <p:txBody>
+          <a:bodyPr/>
+          <a:lstStyle/>
+          <a:p>
+            <a:pPr>
+              <a:lnSpc>
+                <a:spcPct val="100000"/>
+              </a:lnSpc>
+            </a:pPr>
+            <a:r>
+              <a:rPr lang="en-US" sz="3200" dirty="0">
+                <a:solidFill>
+                  <a:srgbClr val="000000"/>
+                </a:solidFill>
+              </a:rPr>
+              <a:t>Power BI Dev Camp – Session 4</a:t>
+            </a:r>
+            <a:br>
+              <a:rPr lang="en-US" dirty="0">
+                <a:solidFill>
+                  <a:srgbClr val="000000"/>
+                </a:solidFill>
+              </a:rPr>
+            </a:br>
+            <a:r>
+              <a:rPr lang="en-US" sz="3700" dirty="0">
+                <a:solidFill>
+                  <a:srgbClr val="000000"/>
+                </a:solidFill>
+              </a:rPr>
+              <a:t>Programing Datasets using the Tabular Object Model</a:t>
+            </a:r>
+          </a:p>
+        </p:txBody>
+      </p:sp>
+      <p:sp>
+        <p:nvSpPr>
+          <p:cNvPr id="6" name="Rectangle 5">
+            <a:extLst>
+              <a:ext uri="{FF2B5EF4-FFF2-40B4-BE49-F238E27FC236}">
+                <a16:creationId xmlns:a16="http://schemas.microsoft.com/office/drawing/2014/main" id="{B5B1245A-3828-4133-831E-FCED6200FEA4}"/>
+              </a:ext>
+            </a:extLst>
+          </p:cNvPr>
+          <p:cNvSpPr/>
+          <p:nvPr/>
+        </p:nvSpPr>
+        <p:spPr bwMode="auto">
+          <a:xfrm>
+            <a:off x="169682" y="6268825"/>
+            <a:ext cx="2215299" cy="650449"/>
+          </a:xfrm>
+          <a:prstGeom prst="rect">
+            <a:avLst/>
+          </a:prstGeom>
+          <a:solidFill>
+            <a:srgbClr val="F2C80F"/>
+          </a:solidFill>
+          <a:ln>
+            <a:noFill/>
+            <a:headEnd type="none" w="med" len="med"/>
+            <a:tailEnd type="none" w="med" len="med"/>
+          </a:ln>
+          <a:effectLst/>
+        </p:spPr>
+        <p:style>
+          <a:lnRef idx="1">
+            <a:schemeClr val="accent2"/>
+          </a:lnRef>
+          <a:fillRef idx="3">
+            <a:schemeClr val="accent2"/>
+          </a:fillRef>
+          <a:effectRef idx="2">
+            <a:schemeClr val="accent2"/>
+          </a:effectRef>
+          <a:fontRef idx="minor">
+            <a:schemeClr val="lt1"/>
+          </a:fontRef>
+        </p:style>
+        <p:txBody>
+          <a:bodyPr rot="0" spcFirstLastPara="0" vertOverflow="overflow" horzOverflow="overflow" vert="horz" wrap="square" lIns="182880" tIns="146304" rIns="182880" bIns="146304" numCol="1" spcCol="0" rtlCol="0" fromWordArt="0" anchor="t" anchorCtr="0" forceAA="0" compatLnSpc="1">
+            <a:prstTxWarp prst="textNoShape">
+              <a:avLst/>
+            </a:prstTxWarp>
+            <a:noAutofit/>
+          </a:bodyPr>
+          <a:lstStyle/>
+          <a:p>
+            <a:pPr algn="ctr" defTabSz="932472" fontAlgn="base">
+              <a:lnSpc>
+                <a:spcPct val="90000"/>
+              </a:lnSpc>
+              <a:spcBef>
+                <a:spcPct val="0"/>
+              </a:spcBef>
+              <a:spcAft>
+                <a:spcPct val="0"/>
+              </a:spcAft>
+            </a:pPr>
+            <a:endParaRPr lang="en-US" sz="2400" err="1">
+              <a:gradFill>
+                <a:gsLst>
+                  <a:gs pos="0">
+                    <a:srgbClr val="FFFFFF"/>
+                  </a:gs>
+                  <a:gs pos="100000">
+                    <a:srgbClr val="FFFFFF"/>
+                  </a:gs>
+                </a:gsLst>
+                <a:lin ang="5400000" scaled="0"/>
+              </a:gradFill>
+              <a:ea typeface="Segoe UI" pitchFamily="34" charset="0"/>
+              <a:cs typeface="Segoe UI" pitchFamily="34" charset="0"/>
+            </a:endParaRPr>
+          </a:p>
+        </p:txBody>
+      </p:sp>
+    </p:spTree>
+    <p:extLst>
+      <p:ext uri="{BB962C8B-B14F-4D97-AF65-F5344CB8AC3E}">
+        <p14:creationId xmlns:p14="http://schemas.microsoft.com/office/powerpoint/2010/main" val="3080107397"/>
+      </p:ext>
+    </p:extLst>
+  </p:cSld>
+  <p:clrMapOvr>
+    <a:overrideClrMapping bg1="lt1" tx1="dk1" bg2="lt2" tx2="dk2" accent1="accent1" accent2="accent2" accent3="accent3" accent4="accent4" accent5="accent5" accent6="accent6" hlink="hlink" folHlink="folHlink"/>
+  </p:clrMapOvr>
+  <mc:AlternateContent xmlns:mc="http://schemas.openxmlformats.org/markup-compatibility/2006" xmlns:p14="http://schemas.microsoft.com/office/powerpoint/2010/main">
+    <mc:Choice Requires="p14">
+      <p:transition spd="med" p14:dur="700">
+        <p:fade/>
+      </p:transition>
+    </mc:Choice>
+    <mc:Fallback xmlns="">
+      <p:transition spd="med">
+        <p:fade/>
+      </p:transition>
+    </mc:Fallback>
+  </mc:AlternateContent>
+</p:sld>
+</file>
+
+<file path=ppt/slides/slide3.xml><?xml version="1.0" encoding="utf-8"?>
+<p:sld xmlns:a="http://schemas.openxmlformats.org/drawingml/2006/main" xmlns:r="http://schemas.openxmlformats.org/officeDocument/2006/relationships" xmlns:p="http://schemas.openxmlformats.org/presentationml/2006/main">
+  <p:cSld>
+    <p:spTree>
+      <p:nvGrpSpPr>
+        <p:cNvPr id="1" name=""/>
+        <p:cNvGrpSpPr/>
+        <p:nvPr/>
+      </p:nvGrpSpPr>
+      <p:grpSpPr>
+        <a:xfrm>
+          <a:off x="0" y="0"/>
+          <a:ext cx="0" cy="0"/>
+          <a:chOff x="0" y="0"/>
+          <a:chExt cx="0" cy="0"/>
+        </a:xfrm>
+      </p:grpSpPr>
+      <p:sp>
+        <p:nvSpPr>
+          <p:cNvPr id="2" name="Title 1">
+            <a:extLst>
+              <a:ext uri="{FF2B5EF4-FFF2-40B4-BE49-F238E27FC236}">
+                <a16:creationId xmlns:a16="http://schemas.microsoft.com/office/drawing/2014/main" id="{2835F895-0FB1-4BE2-995F-1CAC4B7DE93C}"/>
+              </a:ext>
+            </a:extLst>
+          </p:cNvPr>
+          <p:cNvSpPr>
+            <a:spLocks noGrp="1"/>
+          </p:cNvSpPr>
+          <p:nvPr>
+            <p:ph type="title"/>
+          </p:nvPr>
+        </p:nvSpPr>
+        <p:spPr/>
+        <p:txBody>
+          <a:bodyPr/>
+          <a:lstStyle/>
+          <a:p>
+            <a:r>
+              <a:rPr lang="en-US" dirty="0"/>
+              <a:t>Welcome to Power BI Dev Camp</a:t>
+            </a:r>
+          </a:p>
+        </p:txBody>
+      </p:sp>
+      <p:sp>
+        <p:nvSpPr>
+          <p:cNvPr id="14" name="Text Placeholder 13">
+            <a:extLst>
+              <a:ext uri="{FF2B5EF4-FFF2-40B4-BE49-F238E27FC236}">
+                <a16:creationId xmlns:a16="http://schemas.microsoft.com/office/drawing/2014/main" id="{D27F8620-5147-4FFF-A1D6-B0C7C2A20495}"/>
+              </a:ext>
+            </a:extLst>
+          </p:cNvPr>
+          <p:cNvSpPr>
+            <a:spLocks noGrp="1"/>
+          </p:cNvSpPr>
+          <p:nvPr>
+            <p:ph type="body" sz="quarter" idx="10"/>
+          </p:nvPr>
+        </p:nvSpPr>
+        <p:spPr>
+          <a:xfrm>
+            <a:off x="598505" y="1245118"/>
+            <a:ext cx="11239464" cy="427553"/>
+          </a:xfrm>
+        </p:spPr>
+        <p:txBody>
+          <a:bodyPr/>
+          <a:lstStyle/>
+          <a:p>
+            <a:r>
+              <a:rPr lang="en-US" dirty="0"/>
+              <a:t>Power BI Dev Camp Portal - </a:t>
+            </a:r>
+            <a:r>
+              <a:rPr lang="en-US" dirty="0">
+                <a:hlinkClick r:id="rId2"/>
+              </a:rPr>
+              <a:t>https://powerbidevcamp.net</a:t>
+            </a:r>
+            <a:endParaRPr lang="en-US" dirty="0"/>
+          </a:p>
+        </p:txBody>
+      </p:sp>
+      <p:pic>
+        <p:nvPicPr>
+          <p:cNvPr id="5" name="Picture 4">
+            <a:extLst>
+              <a:ext uri="{FF2B5EF4-FFF2-40B4-BE49-F238E27FC236}">
+                <a16:creationId xmlns:a16="http://schemas.microsoft.com/office/drawing/2014/main" id="{A5E332A0-FCC9-492F-B9CC-B6A652AF72FB}"/>
+              </a:ext>
+            </a:extLst>
+          </p:cNvPr>
+          <p:cNvPicPr>
+            <a:picLocks noChangeAspect="1"/>
+          </p:cNvPicPr>
+          <p:nvPr/>
+        </p:nvPicPr>
+        <p:blipFill>
+          <a:blip r:embed="rId3"/>
+          <a:stretch>
+            <a:fillRect/>
+          </a:stretch>
+        </p:blipFill>
+        <p:spPr>
+          <a:xfrm>
+            <a:off x="868423" y="1906591"/>
+            <a:ext cx="8356618" cy="4980207"/>
+          </a:xfrm>
+          <a:prstGeom prst="rect">
+            <a:avLst/>
+          </a:prstGeom>
+          <a:ln>
+            <a:solidFill>
+              <a:schemeClr val="tx1">
+                <a:lumMod val="60000"/>
+                <a:lumOff val="40000"/>
+              </a:schemeClr>
+            </a:solidFill>
+          </a:ln>
+        </p:spPr>
+      </p:pic>
+    </p:spTree>
+    <p:extLst>
+      <p:ext uri="{BB962C8B-B14F-4D97-AF65-F5344CB8AC3E}">
+        <p14:creationId xmlns:p14="http://schemas.microsoft.com/office/powerpoint/2010/main" val="152483309"/>
+      </p:ext>
+    </p:extLst>
+  </p:cSld>
+  <p:clrMapOvr>
+    <a:masterClrMapping/>
+  </p:clrMapOvr>
+  <p:transition>
+    <p:fade/>
+  </p:transition>
+</p:sld>
+</file>
+
+<file path=ppt/slides/slide4.xml><?xml version="1.0" encoding="utf-8"?>
+<p:sld xmlns:a="http://schemas.openxmlformats.org/drawingml/2006/main" xmlns:r="http://schemas.openxmlformats.org/officeDocument/2006/relationships" xmlns:p="http://schemas.openxmlformats.org/presentationml/2006/main">
+  <p:cSld>
+    <p:spTree>
+      <p:nvGrpSpPr>
+        <p:cNvPr id="1" name=""/>
+        <p:cNvGrpSpPr/>
+        <p:nvPr/>
+      </p:nvGrpSpPr>
+      <p:grpSpPr>
+        <a:xfrm>
+          <a:off x="0" y="0"/>
+          <a:ext cx="0" cy="0"/>
+          <a:chOff x="0" y="0"/>
+          <a:chExt cx="0" cy="0"/>
+        </a:xfrm>
+      </p:grpSpPr>
+      <p:sp>
+        <p:nvSpPr>
+          <p:cNvPr id="3" name="Title 2">
+            <a:extLst>
+              <a:ext uri="{FF2B5EF4-FFF2-40B4-BE49-F238E27FC236}">
+                <a16:creationId xmlns:a16="http://schemas.microsoft.com/office/drawing/2014/main" id="{6E7FE911-4C9E-4503-85D3-6D92DFF05745}"/>
+              </a:ext>
+            </a:extLst>
+          </p:cNvPr>
+          <p:cNvSpPr>
+            <a:spLocks noGrp="1"/>
+          </p:cNvSpPr>
+          <p:nvPr>
+            <p:ph type="title"/>
+          </p:nvPr>
+        </p:nvSpPr>
+        <p:spPr/>
+        <p:txBody>
+          <a:bodyPr/>
+          <a:lstStyle/>
+          <a:p>
+            <a:r>
+              <a:rPr lang="en-US" dirty="0"/>
+              <a:t>Tabular Object Model (TOM)</a:t>
+            </a:r>
+          </a:p>
+        </p:txBody>
+      </p:sp>
+      <p:sp>
+        <p:nvSpPr>
+          <p:cNvPr id="4" name="Text Placeholder 3">
+            <a:extLst>
+              <a:ext uri="{FF2B5EF4-FFF2-40B4-BE49-F238E27FC236}">
+                <a16:creationId xmlns:a16="http://schemas.microsoft.com/office/drawing/2014/main" id="{FD4A79D4-DF1C-4E35-973E-E0113582C70F}"/>
+              </a:ext>
+            </a:extLst>
+          </p:cNvPr>
+          <p:cNvSpPr>
+            <a:spLocks noGrp="1"/>
+          </p:cNvSpPr>
+          <p:nvPr>
+            <p:ph type="body" sz="quarter" idx="10"/>
+          </p:nvPr>
+        </p:nvSpPr>
+        <p:spPr>
+          <a:xfrm>
+            <a:off x="588263" y="1378083"/>
+            <a:ext cx="11239464" cy="5183920"/>
+          </a:xfrm>
+        </p:spPr>
+        <p:txBody>
+          <a:bodyPr/>
+          <a:lstStyle/>
+          <a:p>
+            <a:r>
+              <a:rPr lang="en-US" sz="2400" dirty="0"/>
+              <a:t>TOM is extension of Analysis Management Object (AMO) client library</a:t>
+            </a:r>
+          </a:p>
+          <a:p>
+            <a:pPr lvl="1"/>
+            <a:r>
+              <a:rPr lang="en-US" sz="2000" dirty="0"/>
+              <a:t>created to support programming scenarios for tabular models </a:t>
+            </a:r>
+          </a:p>
+          <a:p>
+            <a:pPr lvl="1"/>
+            <a:r>
+              <a:rPr lang="en-US" sz="2000" dirty="0"/>
+              <a:t>Newly added support for datasets in Power BI Desktop and the Power BI Service</a:t>
+            </a:r>
+          </a:p>
+          <a:p>
+            <a:pPr lvl="1"/>
+            <a:endParaRPr lang="en-US" sz="2000" dirty="0"/>
+          </a:p>
+          <a:p>
+            <a:r>
+              <a:rPr lang="en-US" sz="2400" dirty="0"/>
+              <a:t>TOM provides a programmatic way to view/edit data models</a:t>
+            </a:r>
+          </a:p>
+          <a:p>
+            <a:pPr lvl="1"/>
+            <a:r>
+              <a:rPr lang="en-US" sz="2000" dirty="0"/>
+              <a:t>creating models</a:t>
+            </a:r>
+          </a:p>
+          <a:p>
+            <a:pPr lvl="1"/>
+            <a:r>
+              <a:rPr lang="en-US" sz="2000" dirty="0"/>
+              <a:t>importing and refreshing data</a:t>
+            </a:r>
+          </a:p>
+          <a:p>
+            <a:pPr lvl="1"/>
+            <a:r>
+              <a:rPr lang="en-US" sz="2000" dirty="0"/>
+              <a:t>assigning roles and permissions</a:t>
+            </a:r>
+          </a:p>
+          <a:p>
+            <a:pPr lvl="1"/>
+            <a:endParaRPr lang="en-US" sz="2000" dirty="0"/>
+          </a:p>
+          <a:p>
+            <a:r>
+              <a:rPr lang="en-US" sz="2400" dirty="0"/>
+              <a:t>TOM requires two assemblies</a:t>
+            </a:r>
+          </a:p>
+          <a:p>
+            <a:pPr lvl="1"/>
+            <a:r>
+              <a:rPr lang="en-US" sz="2000" dirty="0" err="1"/>
+              <a:t>Microsoft.AnalysisServices.Core</a:t>
+            </a:r>
+            <a:endParaRPr lang="en-US" sz="2000" dirty="0"/>
+          </a:p>
+          <a:p>
+            <a:pPr lvl="1"/>
+            <a:r>
+              <a:rPr lang="en-US" sz="2000" dirty="0"/>
+              <a:t>Microsoft.AnalysisServices.Tabular.dll</a:t>
+            </a:r>
+          </a:p>
+        </p:txBody>
+      </p:sp>
+      <p:pic>
+        <p:nvPicPr>
+          <p:cNvPr id="5" name="Picture 4">
+            <a:extLst>
+              <a:ext uri="{FF2B5EF4-FFF2-40B4-BE49-F238E27FC236}">
+                <a16:creationId xmlns:a16="http://schemas.microsoft.com/office/drawing/2014/main" id="{AEC97CDB-3AF6-4C4F-BA69-A040C46976A4}"/>
+              </a:ext>
+            </a:extLst>
+          </p:cNvPr>
+          <p:cNvPicPr>
+            <a:picLocks noChangeAspect="1"/>
+          </p:cNvPicPr>
+          <p:nvPr/>
+        </p:nvPicPr>
+        <p:blipFill>
+          <a:blip r:embed="rId2"/>
+          <a:stretch>
+            <a:fillRect/>
+          </a:stretch>
+        </p:blipFill>
+        <p:spPr>
+          <a:xfrm>
+            <a:off x="8545038" y="3770640"/>
+            <a:ext cx="3486058" cy="3064741"/>
+          </a:xfrm>
+          <a:prstGeom prst="rect">
+            <a:avLst/>
+          </a:prstGeom>
+          <a:ln>
+            <a:solidFill>
+              <a:schemeClr val="tx1">
+                <a:lumMod val="60000"/>
+                <a:lumOff val="40000"/>
+              </a:schemeClr>
+            </a:solidFill>
+          </a:ln>
+        </p:spPr>
+      </p:pic>
+    </p:spTree>
+    <p:extLst>
+      <p:ext uri="{BB962C8B-B14F-4D97-AF65-F5344CB8AC3E}">
+        <p14:creationId xmlns:p14="http://schemas.microsoft.com/office/powerpoint/2010/main" val="2345030452"/>
+      </p:ext>
+    </p:extLst>
+  </p:cSld>
+  <p:clrMapOvr>
+    <a:masterClrMapping/>
+  </p:clrMapOvr>
+  <p:transition>
+    <p:fade/>
+  </p:transition>
+</p:sld>
+</file>
+
+<file path=ppt/slides/slide5.xml><?xml version="1.0" encoding="utf-8"?>
+<p:sld xmlns:a="http://schemas.openxmlformats.org/drawingml/2006/main" xmlns:r="http://schemas.openxmlformats.org/officeDocument/2006/relationships" xmlns:p="http://schemas.openxmlformats.org/presentationml/2006/main">
+  <p:cSld>
+    <p:bg>
+      <p:bgPr>
+        <a:solidFill>
+          <a:schemeClr val="accent1"/>
+        </a:solidFill>
+        <a:effectLst/>
+      </p:bgPr>
+    </p:bg>
+    <p:spTree>
+      <p:nvGrpSpPr>
+        <p:cNvPr id="1" name=""/>
+        <p:cNvGrpSpPr/>
+        <p:nvPr/>
+      </p:nvGrpSpPr>
+      <p:grpSpPr>
+        <a:xfrm>
+          <a:off x="0" y="0"/>
+          <a:ext cx="0" cy="0"/>
+          <a:chOff x="0" y="0"/>
+          <a:chExt cx="0" cy="0"/>
+        </a:xfrm>
+      </p:grpSpPr>
+      <p:sp>
+        <p:nvSpPr>
+          <p:cNvPr id="6" name="Title 5">
+            <a:extLst>
+              <a:ext uri="{FF2B5EF4-FFF2-40B4-BE49-F238E27FC236}">
+                <a16:creationId xmlns:a16="http://schemas.microsoft.com/office/drawing/2014/main" id="{E7BF15BD-001C-49B3-9A01-B39DEDA47564}"/>
+              </a:ext>
+            </a:extLst>
+          </p:cNvPr>
+          <p:cNvSpPr>
+            <a:spLocks noGrp="1"/>
+          </p:cNvSpPr>
+          <p:nvPr>
+            <p:ph type="title"/>
+          </p:nvPr>
+        </p:nvSpPr>
+        <p:spPr/>
+        <p:txBody>
+          <a:bodyPr/>
+          <a:lstStyle/>
+          <a:p>
+            <a:r>
+              <a:rPr lang="en-US" dirty="0"/>
+              <a:t>Agenda</a:t>
+            </a:r>
+          </a:p>
+        </p:txBody>
+      </p:sp>
+      <p:sp>
+        <p:nvSpPr>
+          <p:cNvPr id="7" name="Text Placeholder 6">
+            <a:extLst>
+              <a:ext uri="{FF2B5EF4-FFF2-40B4-BE49-F238E27FC236}">
+                <a16:creationId xmlns:a16="http://schemas.microsoft.com/office/drawing/2014/main" id="{61F6BD0B-C4D8-42DE-A3A7-50D8219CE639}"/>
+              </a:ext>
+            </a:extLst>
+          </p:cNvPr>
+          <p:cNvSpPr>
+            <a:spLocks noGrp="1"/>
+          </p:cNvSpPr>
+          <p:nvPr>
+            <p:ph type="body" sz="quarter" idx="11"/>
+          </p:nvPr>
+        </p:nvSpPr>
+        <p:spPr>
+          <a:xfrm>
+            <a:off x="4442092" y="2355794"/>
+            <a:ext cx="7796829" cy="3672800"/>
+          </a:xfrm>
+        </p:spPr>
+        <p:txBody>
+          <a:bodyPr/>
+          <a:lstStyle/>
+          <a:p>
+            <a:pPr marL="466298" indent="-466298">
+              <a:buFont typeface="Wingdings" panose="05000000000000000000" pitchFamily="2" charset="2"/>
+              <a:buChar char="Ø"/>
+            </a:pPr>
+            <a:r>
+              <a:rPr lang="en-US" dirty="0"/>
+              <a:t>Hello World exercise</a:t>
+            </a:r>
+          </a:p>
+          <a:p>
+            <a:pPr marL="466298" indent="-466298">
+              <a:buFont typeface="Arial" panose="020B0604020202020204" pitchFamily="34" charset="0"/>
+              <a:buChar char="•"/>
+            </a:pPr>
+            <a:r>
+              <a:rPr lang="en-US" dirty="0"/>
+              <a:t>Add measures automatically</a:t>
+            </a:r>
+          </a:p>
+          <a:p>
+            <a:pPr marL="466298" indent="-466298">
+              <a:buFont typeface="Arial" panose="020B0604020202020204" pitchFamily="34" charset="0"/>
+              <a:buChar char="•"/>
+            </a:pPr>
+            <a:r>
+              <a:rPr lang="en-US" dirty="0"/>
+              <a:t>Query the model</a:t>
+            </a:r>
+          </a:p>
+          <a:p>
+            <a:pPr marL="466298" indent="-466298">
+              <a:buFont typeface="Arial" panose="020B0604020202020204" pitchFamily="34" charset="0"/>
+              <a:buChar char="•"/>
+            </a:pPr>
+            <a:r>
+              <a:rPr lang="en-US" dirty="0"/>
+              <a:t>Format your DAX</a:t>
+            </a:r>
+          </a:p>
+          <a:p>
+            <a:pPr marL="466298" indent="-466298">
+              <a:buFont typeface="Arial" panose="020B0604020202020204" pitchFamily="34" charset="0"/>
+              <a:buChar char="•"/>
+            </a:pPr>
+            <a:r>
+              <a:rPr lang="en-US" dirty="0"/>
+              <a:t>Build your own helper function</a:t>
+            </a:r>
+          </a:p>
+          <a:p>
+            <a:pPr marL="466298" indent="-466298">
+              <a:buFont typeface="Wingdings" panose="05000000000000000000" pitchFamily="2" charset="2"/>
+              <a:buChar char="Ø"/>
+            </a:pPr>
+            <a:endParaRPr lang="en-US" dirty="0"/>
+          </a:p>
+          <a:p>
+            <a:pPr marL="466298" indent="-466298">
+              <a:buFont typeface="Wingdings" panose="05000000000000000000" pitchFamily="2" charset="2"/>
+              <a:buChar char="Ø"/>
+            </a:pPr>
+            <a:endParaRPr lang="en-US" dirty="0"/>
+          </a:p>
+          <a:p>
+            <a:pPr marL="466298" indent="-466298">
+              <a:buFont typeface="Wingdings" panose="05000000000000000000" pitchFamily="2" charset="2"/>
+              <a:buChar char="§"/>
+            </a:pPr>
+            <a:endParaRPr lang="en-US" dirty="0"/>
+          </a:p>
+        </p:txBody>
+      </p:sp>
+    </p:spTree>
+    <p:extLst>
+      <p:ext uri="{BB962C8B-B14F-4D97-AF65-F5344CB8AC3E}">
+        <p14:creationId xmlns:p14="http://schemas.microsoft.com/office/powerpoint/2010/main" val="258233591"/>
+      </p:ext>
+    </p:extLst>
+  </p:cSld>
+  <p:clrMapOvr>
+    <a:masterClrMapping/>
+  </p:clrMapOvr>
+  <mc:AlternateContent xmlns:mc="http://schemas.openxmlformats.org/markup-compatibility/2006" xmlns:p14="http://schemas.microsoft.com/office/powerpoint/2010/main">
+    <mc:Choice Requires="p14">
+      <p:transition p14:dur="0"/>
+    </mc:Choice>
+    <mc:Fallback xmlns="">
+      <p:transition/>
+    </mc:Fallback>
+  </mc:AlternateContent>
+</p:sld>
+</file>
+
+<file path=ppt/slides/slide6.xml><?xml version="1.0" encoding="utf-8"?>
+<p:sld xmlns:a="http://schemas.openxmlformats.org/drawingml/2006/main" xmlns:r="http://schemas.openxmlformats.org/officeDocument/2006/relationships" xmlns:p="http://schemas.openxmlformats.org/presentationml/2006/main">
+  <p:cSld>
+    <p:spTree>
+      <p:nvGrpSpPr>
+        <p:cNvPr id="1" name=""/>
+        <p:cNvGrpSpPr/>
+        <p:nvPr/>
+      </p:nvGrpSpPr>
+      <p:grpSpPr>
+        <a:xfrm>
+          <a:off x="0" y="0"/>
+          <a:ext cx="0" cy="0"/>
+          <a:chOff x="0" y="0"/>
+          <a:chExt cx="0" cy="0"/>
+        </a:xfrm>
+      </p:grpSpPr>
+      <p:sp>
+        <p:nvSpPr>
+          <p:cNvPr id="2" name="Title 1">
+            <a:extLst>
+              <a:ext uri="{FF2B5EF4-FFF2-40B4-BE49-F238E27FC236}">
+                <a16:creationId xmlns:a16="http://schemas.microsoft.com/office/drawing/2014/main" id="{B3656D3D-0530-4EC3-BD87-8EA0C7A590DD}"/>
+              </a:ext>
+            </a:extLst>
+          </p:cNvPr>
+          <p:cNvSpPr>
+            <a:spLocks noGrp="1"/>
+          </p:cNvSpPr>
+          <p:nvPr>
+            <p:ph type="title"/>
+          </p:nvPr>
+        </p:nvSpPr>
+        <p:spPr/>
+        <p:txBody>
+          <a:bodyPr/>
+          <a:lstStyle/>
+          <a:p>
+            <a:r>
+              <a:rPr lang="en-NZ" dirty="0"/>
               <a:t>Exercise 1 – “Hello World”</a:t>
             </a:r>
             <a:endParaRPr lang="en-US" dirty="0"/>
@@ -4364,7 +6022,7 @@
 </p:sld>
 </file>
 
-<file path=ppt/slides/slide11.xml><?xml version="1.0" encoding="utf-8"?>
+<file path=ppt/slides/slide7.xml><?xml version="1.0" encoding="utf-8"?>
 <p:sld xmlns:a="http://schemas.openxmlformats.org/drawingml/2006/main" xmlns:r="http://schemas.openxmlformats.org/officeDocument/2006/relationships" xmlns:p="http://schemas.openxmlformats.org/presentationml/2006/main">
   <p:cSld>
     <p:spTree>
@@ -4717,7 +6375,7 @@
 </p:sld>
 </file>
 
-<file path=ppt/slides/slide12.xml><?xml version="1.0" encoding="utf-8"?>
+<file path=ppt/slides/slide8.xml><?xml version="1.0" encoding="utf-8"?>
 <p:sld xmlns:a="http://schemas.openxmlformats.org/drawingml/2006/main" xmlns:r="http://schemas.openxmlformats.org/officeDocument/2006/relationships" xmlns:p="http://schemas.openxmlformats.org/presentationml/2006/main">
   <p:cSld>
     <p:spTree>
@@ -5066,7 +6724,7 @@
 </p:sld>
 </file>
 
-<file path=ppt/slides/slide13.xml><?xml version="1.0" encoding="utf-8"?>
+<file path=ppt/slides/slide9.xml><?xml version="1.0" encoding="utf-8"?>
 <p:sld xmlns:a="http://schemas.openxmlformats.org/drawingml/2006/main" xmlns:r="http://schemas.openxmlformats.org/officeDocument/2006/relationships" xmlns:p="http://schemas.openxmlformats.org/presentationml/2006/main">
   <p:cSld>
     <p:spTree>
@@ -5526,2481 +7184,6 @@
     <p:bldLst>
       <p:bldP spid="3" grpId="0" build="p"/>
     </p:bldLst>
-  </p:timing>
-</p:sld>
-</file>
-
-<file path=ppt/slides/slide14.xml><?xml version="1.0" encoding="utf-8"?>
-<p:sld xmlns:a="http://schemas.openxmlformats.org/drawingml/2006/main" xmlns:r="http://schemas.openxmlformats.org/officeDocument/2006/relationships" xmlns:p="http://schemas.openxmlformats.org/presentationml/2006/main">
-  <p:cSld>
-    <p:spTree>
-      <p:nvGrpSpPr>
-        <p:cNvPr id="1" name=""/>
-        <p:cNvGrpSpPr/>
-        <p:nvPr/>
-      </p:nvGrpSpPr>
-      <p:grpSpPr>
-        <a:xfrm>
-          <a:off x="0" y="0"/>
-          <a:ext cx="0" cy="0"/>
-          <a:chOff x="0" y="0"/>
-          <a:chExt cx="0" cy="0"/>
-        </a:xfrm>
-      </p:grpSpPr>
-      <p:sp>
-        <p:nvSpPr>
-          <p:cNvPr id="2" name="Title 1">
-            <a:extLst>
-              <a:ext uri="{FF2B5EF4-FFF2-40B4-BE49-F238E27FC236}">
-                <a16:creationId xmlns:a16="http://schemas.microsoft.com/office/drawing/2014/main" id="{B3656D3D-0530-4EC3-BD87-8EA0C7A590DD}"/>
-              </a:ext>
-            </a:extLst>
-          </p:cNvPr>
-          <p:cNvSpPr>
-            <a:spLocks noGrp="1"/>
-          </p:cNvSpPr>
-          <p:nvPr>
-            <p:ph type="title"/>
-          </p:nvPr>
-        </p:nvSpPr>
-        <p:spPr/>
-        <p:txBody>
-          <a:bodyPr/>
-          <a:lstStyle/>
-          <a:p>
-            <a:r>
-              <a:rPr lang="en-NZ" dirty="0"/>
-              <a:t>Exercise 5 – Helper tool</a:t>
-            </a:r>
-            <a:endParaRPr lang="en-US" dirty="0"/>
-          </a:p>
-        </p:txBody>
-      </p:sp>
-      <p:sp>
-        <p:nvSpPr>
-          <p:cNvPr id="3" name="Content Placeholder 2">
-            <a:extLst>
-              <a:ext uri="{FF2B5EF4-FFF2-40B4-BE49-F238E27FC236}">
-                <a16:creationId xmlns:a16="http://schemas.microsoft.com/office/drawing/2014/main" id="{2559A2BB-5125-4AA7-9CDD-2877DED23EF0}"/>
-              </a:ext>
-            </a:extLst>
-          </p:cNvPr>
-          <p:cNvSpPr>
-            <a:spLocks noGrp="1"/>
-          </p:cNvSpPr>
-          <p:nvPr>
-            <p:ph type="body" sz="quarter" idx="10"/>
-          </p:nvPr>
-        </p:nvSpPr>
-        <p:spPr/>
-        <p:txBody>
-          <a:bodyPr>
-            <a:normAutofit/>
-          </a:bodyPr>
-          <a:lstStyle/>
-          <a:p>
-            <a:r>
-              <a:rPr lang="en-NZ" dirty="0"/>
-              <a:t>Interactive tool</a:t>
-            </a:r>
-          </a:p>
-          <a:p>
-            <a:endParaRPr lang="en-NZ" dirty="0"/>
-          </a:p>
-          <a:p>
-            <a:r>
-              <a:rPr lang="en-NZ" dirty="0"/>
-              <a:t>Use as an external tool</a:t>
-            </a:r>
-          </a:p>
-          <a:p>
-            <a:endParaRPr lang="en-NZ" dirty="0"/>
-          </a:p>
-          <a:p>
-            <a:r>
-              <a:rPr lang="en-NZ" dirty="0"/>
-              <a:t>Run queries</a:t>
-            </a:r>
-          </a:p>
-          <a:p>
-            <a:endParaRPr lang="en-NZ" dirty="0"/>
-          </a:p>
-          <a:p>
-            <a:r>
-              <a:rPr lang="en-NZ" dirty="0"/>
-              <a:t>Perform bulk operations not easy to do in other tools</a:t>
-            </a:r>
-          </a:p>
-          <a:p>
-            <a:endParaRPr lang="en-NZ" dirty="0"/>
-          </a:p>
-          <a:p>
-            <a:endParaRPr lang="en-US" dirty="0"/>
-          </a:p>
-        </p:txBody>
-      </p:sp>
-    </p:spTree>
-    <p:extLst>
-      <p:ext uri="{BB962C8B-B14F-4D97-AF65-F5344CB8AC3E}">
-        <p14:creationId xmlns:p14="http://schemas.microsoft.com/office/powerpoint/2010/main" val="1095509522"/>
-      </p:ext>
-    </p:extLst>
-  </p:cSld>
-  <p:clrMapOvr>
-    <a:masterClrMapping/>
-  </p:clrMapOvr>
-  <p:transition>
-    <p:fade/>
-  </p:transition>
-  <p:timing>
-    <p:tnLst>
-      <p:par>
-        <p:cTn id="1" dur="indefinite" restart="never" nodeType="tmRoot">
-          <p:childTnLst>
-            <p:seq concurrent="1" nextAc="seek">
-              <p:cTn id="2" dur="indefinite" nodeType="mainSeq">
-                <p:childTnLst>
-                  <p:par>
-                    <p:cTn id="3" fill="hold">
-                      <p:stCondLst>
-                        <p:cond delay="indefinite"/>
-                      </p:stCondLst>
-                      <p:childTnLst>
-                        <p:par>
-                          <p:cTn id="4" fill="hold">
-                            <p:stCondLst>
-                              <p:cond delay="0"/>
-                            </p:stCondLst>
-                            <p:childTnLst>
-                              <p:par>
-                                <p:cTn id="5" presetID="1" presetClass="entr" presetSubtype="0" fill="hold" grpId="0" nodeType="clickEffect">
-                                  <p:stCondLst>
-                                    <p:cond delay="0"/>
-                                  </p:stCondLst>
-                                  <p:childTnLst>
-                                    <p:set>
-                                      <p:cBhvr>
-                                        <p:cTn id="6" dur="1" fill="hold">
-                                          <p:stCondLst>
-                                            <p:cond delay="0"/>
-                                          </p:stCondLst>
-                                        </p:cTn>
-                                        <p:tgtEl>
-                                          <p:spTgt spid="3">
-                                            <p:txEl>
-                                              <p:pRg st="0" end="0"/>
-                                            </p:txEl>
-                                          </p:spTgt>
-                                        </p:tgtEl>
-                                        <p:attrNameLst>
-                                          <p:attrName>style.visibility</p:attrName>
-                                        </p:attrNameLst>
-                                      </p:cBhvr>
-                                      <p:to>
-                                        <p:strVal val="visible"/>
-                                      </p:to>
-                                    </p:set>
-                                  </p:childTnLst>
-                                </p:cTn>
-                              </p:par>
-                            </p:childTnLst>
-                          </p:cTn>
-                        </p:par>
-                      </p:childTnLst>
-                    </p:cTn>
-                  </p:par>
-                  <p:par>
-                    <p:cTn id="7" fill="hold">
-                      <p:stCondLst>
-                        <p:cond delay="indefinite"/>
-                      </p:stCondLst>
-                      <p:childTnLst>
-                        <p:par>
-                          <p:cTn id="8" fill="hold">
-                            <p:stCondLst>
-                              <p:cond delay="0"/>
-                            </p:stCondLst>
-                            <p:childTnLst>
-                              <p:par>
-                                <p:cTn id="9" presetID="1" presetClass="entr" presetSubtype="0" fill="hold" grpId="0" nodeType="clickEffect">
-                                  <p:stCondLst>
-                                    <p:cond delay="0"/>
-                                  </p:stCondLst>
-                                  <p:childTnLst>
-                                    <p:set>
-                                      <p:cBhvr>
-                                        <p:cTn id="10" dur="1" fill="hold">
-                                          <p:stCondLst>
-                                            <p:cond delay="0"/>
-                                          </p:stCondLst>
-                                        </p:cTn>
-                                        <p:tgtEl>
-                                          <p:spTgt spid="3">
-                                            <p:txEl>
-                                              <p:pRg st="2" end="2"/>
-                                            </p:txEl>
-                                          </p:spTgt>
-                                        </p:tgtEl>
-                                        <p:attrNameLst>
-                                          <p:attrName>style.visibility</p:attrName>
-                                        </p:attrNameLst>
-                                      </p:cBhvr>
-                                      <p:to>
-                                        <p:strVal val="visible"/>
-                                      </p:to>
-                                    </p:set>
-                                  </p:childTnLst>
-                                </p:cTn>
-                              </p:par>
-                            </p:childTnLst>
-                          </p:cTn>
-                        </p:par>
-                      </p:childTnLst>
-                    </p:cTn>
-                  </p:par>
-                  <p:par>
-                    <p:cTn id="11" fill="hold">
-                      <p:stCondLst>
-                        <p:cond delay="indefinite"/>
-                      </p:stCondLst>
-                      <p:childTnLst>
-                        <p:par>
-                          <p:cTn id="12" fill="hold">
-                            <p:stCondLst>
-                              <p:cond delay="0"/>
-                            </p:stCondLst>
-                            <p:childTnLst>
-                              <p:par>
-                                <p:cTn id="13" presetID="1" presetClass="entr" presetSubtype="0" fill="hold" grpId="0" nodeType="clickEffect">
-                                  <p:stCondLst>
-                                    <p:cond delay="0"/>
-                                  </p:stCondLst>
-                                  <p:childTnLst>
-                                    <p:set>
-                                      <p:cBhvr>
-                                        <p:cTn id="14" dur="1" fill="hold">
-                                          <p:stCondLst>
-                                            <p:cond delay="0"/>
-                                          </p:stCondLst>
-                                        </p:cTn>
-                                        <p:tgtEl>
-                                          <p:spTgt spid="3">
-                                            <p:txEl>
-                                              <p:pRg st="4" end="4"/>
-                                            </p:txEl>
-                                          </p:spTgt>
-                                        </p:tgtEl>
-                                        <p:attrNameLst>
-                                          <p:attrName>style.visibility</p:attrName>
-                                        </p:attrNameLst>
-                                      </p:cBhvr>
-                                      <p:to>
-                                        <p:strVal val="visible"/>
-                                      </p:to>
-                                    </p:set>
-                                  </p:childTnLst>
-                                </p:cTn>
-                              </p:par>
-                            </p:childTnLst>
-                          </p:cTn>
-                        </p:par>
-                      </p:childTnLst>
-                    </p:cTn>
-                  </p:par>
-                  <p:par>
-                    <p:cTn id="15" fill="hold">
-                      <p:stCondLst>
-                        <p:cond delay="indefinite"/>
-                      </p:stCondLst>
-                      <p:childTnLst>
-                        <p:par>
-                          <p:cTn id="16" fill="hold">
-                            <p:stCondLst>
-                              <p:cond delay="0"/>
-                            </p:stCondLst>
-                            <p:childTnLst>
-                              <p:par>
-                                <p:cTn id="17" presetID="1" presetClass="entr" presetSubtype="0" fill="hold" grpId="0" nodeType="clickEffect">
-                                  <p:stCondLst>
-                                    <p:cond delay="0"/>
-                                  </p:stCondLst>
-                                  <p:childTnLst>
-                                    <p:set>
-                                      <p:cBhvr>
-                                        <p:cTn id="18" dur="1" fill="hold">
-                                          <p:stCondLst>
-                                            <p:cond delay="0"/>
-                                          </p:stCondLst>
-                                        </p:cTn>
-                                        <p:tgtEl>
-                                          <p:spTgt spid="3">
-                                            <p:txEl>
-                                              <p:pRg st="6" end="6"/>
-                                            </p:txEl>
-                                          </p:spTgt>
-                                        </p:tgtEl>
-                                        <p:attrNameLst>
-                                          <p:attrName>style.visibility</p:attrName>
-                                        </p:attrNameLst>
-                                      </p:cBhvr>
-                                      <p:to>
-                                        <p:strVal val="visible"/>
-                                      </p:to>
-                                    </p:set>
-                                  </p:childTnLst>
-                                </p:cTn>
-                              </p:par>
-                            </p:childTnLst>
-                          </p:cTn>
-                        </p:par>
-                      </p:childTnLst>
-                    </p:cTn>
-                  </p:par>
-                </p:childTnLst>
-              </p:cTn>
-              <p:prevCondLst>
-                <p:cond evt="onPrev" delay="0">
-                  <p:tgtEl>
-                    <p:sldTgt/>
-                  </p:tgtEl>
-                </p:cond>
-              </p:prevCondLst>
-              <p:nextCondLst>
-                <p:cond evt="onNext" delay="0">
-                  <p:tgtEl>
-                    <p:sldTgt/>
-                  </p:tgtEl>
-                </p:cond>
-              </p:nextCondLst>
-            </p:seq>
-          </p:childTnLst>
-        </p:cTn>
-      </p:par>
-    </p:tnLst>
-    <p:bldLst>
-      <p:bldP spid="3" grpId="0" build="p"/>
-    </p:bldLst>
-  </p:timing>
-</p:sld>
-</file>
-
-<file path=ppt/slides/slide15.xml><?xml version="1.0" encoding="utf-8"?>
-<p:sld xmlns:a="http://schemas.openxmlformats.org/drawingml/2006/main" xmlns:r="http://schemas.openxmlformats.org/officeDocument/2006/relationships" xmlns:p="http://schemas.openxmlformats.org/presentationml/2006/main">
-  <p:cSld>
-    <p:spTree>
-      <p:nvGrpSpPr>
-        <p:cNvPr id="1" name=""/>
-        <p:cNvGrpSpPr/>
-        <p:nvPr/>
-      </p:nvGrpSpPr>
-      <p:grpSpPr>
-        <a:xfrm>
-          <a:off x="0" y="0"/>
-          <a:ext cx="0" cy="0"/>
-          <a:chOff x="0" y="0"/>
-          <a:chExt cx="0" cy="0"/>
-        </a:xfrm>
-      </p:grpSpPr>
-      <p:sp>
-        <p:nvSpPr>
-          <p:cNvPr id="2" name="Title 1">
-            <a:extLst>
-              <a:ext uri="{FF2B5EF4-FFF2-40B4-BE49-F238E27FC236}">
-                <a16:creationId xmlns:a16="http://schemas.microsoft.com/office/drawing/2014/main" id="{B3656D3D-0530-4EC3-BD87-8EA0C7A590DD}"/>
-              </a:ext>
-            </a:extLst>
-          </p:cNvPr>
-          <p:cNvSpPr>
-            <a:spLocks noGrp="1"/>
-          </p:cNvSpPr>
-          <p:nvPr>
-            <p:ph type="title"/>
-          </p:nvPr>
-        </p:nvSpPr>
-        <p:spPr/>
-        <p:txBody>
-          <a:bodyPr/>
-          <a:lstStyle/>
-          <a:p>
-            <a:r>
-              <a:rPr lang="en-NZ" dirty="0"/>
-              <a:t>Summary – Programming with TOM</a:t>
-            </a:r>
-            <a:endParaRPr lang="en-US" dirty="0"/>
-          </a:p>
-        </p:txBody>
-      </p:sp>
-      <p:sp>
-        <p:nvSpPr>
-          <p:cNvPr id="3" name="Content Placeholder 2">
-            <a:extLst>
-              <a:ext uri="{FF2B5EF4-FFF2-40B4-BE49-F238E27FC236}">
-                <a16:creationId xmlns:a16="http://schemas.microsoft.com/office/drawing/2014/main" id="{2559A2BB-5125-4AA7-9CDD-2877DED23EF0}"/>
-              </a:ext>
-            </a:extLst>
-          </p:cNvPr>
-          <p:cNvSpPr>
-            <a:spLocks noGrp="1"/>
-          </p:cNvSpPr>
-          <p:nvPr>
-            <p:ph type="body" sz="quarter" idx="10"/>
-          </p:nvPr>
-        </p:nvSpPr>
-        <p:spPr/>
-        <p:txBody>
-          <a:bodyPr>
-            <a:normAutofit lnSpcReduction="10000"/>
-          </a:bodyPr>
-          <a:lstStyle/>
-          <a:p>
-            <a:r>
-              <a:rPr lang="en-NZ" dirty="0"/>
-              <a:t>Great for automating tasks</a:t>
-            </a:r>
-          </a:p>
-          <a:p>
-            <a:endParaRPr lang="en-NZ" dirty="0"/>
-          </a:p>
-          <a:p>
-            <a:r>
-              <a:rPr lang="en-NZ" dirty="0"/>
-              <a:t>Super Flexible</a:t>
-            </a:r>
-          </a:p>
-          <a:p>
-            <a:endParaRPr lang="en-NZ" dirty="0"/>
-          </a:p>
-          <a:p>
-            <a:r>
-              <a:rPr lang="en-NZ" dirty="0"/>
-              <a:t>You should use Tabular Editor and DAX Studio first</a:t>
-            </a:r>
-          </a:p>
-          <a:p>
-            <a:endParaRPr lang="en-NZ" dirty="0"/>
-          </a:p>
-          <a:p>
-            <a:r>
-              <a:rPr lang="en-NZ" dirty="0"/>
-              <a:t>But scripting is fun</a:t>
-            </a:r>
-          </a:p>
-          <a:p>
-            <a:endParaRPr lang="en-NZ" dirty="0"/>
-          </a:p>
-          <a:p>
-            <a:r>
-              <a:rPr lang="en-NZ" dirty="0"/>
-              <a:t>Can create an entire database from scratch</a:t>
-            </a:r>
-          </a:p>
-          <a:p>
-            <a:endParaRPr lang="en-NZ" dirty="0"/>
-          </a:p>
-          <a:p>
-            <a:endParaRPr lang="en-US" dirty="0"/>
-          </a:p>
-        </p:txBody>
-      </p:sp>
-    </p:spTree>
-    <p:extLst>
-      <p:ext uri="{BB962C8B-B14F-4D97-AF65-F5344CB8AC3E}">
-        <p14:creationId xmlns:p14="http://schemas.microsoft.com/office/powerpoint/2010/main" val="773620124"/>
-      </p:ext>
-    </p:extLst>
-  </p:cSld>
-  <p:clrMapOvr>
-    <a:masterClrMapping/>
-  </p:clrMapOvr>
-  <p:transition>
-    <p:fade/>
-  </p:transition>
-  <p:timing>
-    <p:tnLst>
-      <p:par>
-        <p:cTn id="1" dur="indefinite" restart="never" nodeType="tmRoot">
-          <p:childTnLst>
-            <p:seq concurrent="1" nextAc="seek">
-              <p:cTn id="2" dur="indefinite" nodeType="mainSeq">
-                <p:childTnLst>
-                  <p:par>
-                    <p:cTn id="3" fill="hold">
-                      <p:stCondLst>
-                        <p:cond delay="indefinite"/>
-                      </p:stCondLst>
-                      <p:childTnLst>
-                        <p:par>
-                          <p:cTn id="4" fill="hold">
-                            <p:stCondLst>
-                              <p:cond delay="0"/>
-                            </p:stCondLst>
-                            <p:childTnLst>
-                              <p:par>
-                                <p:cTn id="5" presetID="1" presetClass="entr" presetSubtype="0" fill="hold" grpId="0" nodeType="clickEffect">
-                                  <p:stCondLst>
-                                    <p:cond delay="0"/>
-                                  </p:stCondLst>
-                                  <p:childTnLst>
-                                    <p:set>
-                                      <p:cBhvr>
-                                        <p:cTn id="6" dur="1" fill="hold">
-                                          <p:stCondLst>
-                                            <p:cond delay="0"/>
-                                          </p:stCondLst>
-                                        </p:cTn>
-                                        <p:tgtEl>
-                                          <p:spTgt spid="3">
-                                            <p:txEl>
-                                              <p:pRg st="0" end="0"/>
-                                            </p:txEl>
-                                          </p:spTgt>
-                                        </p:tgtEl>
-                                        <p:attrNameLst>
-                                          <p:attrName>style.visibility</p:attrName>
-                                        </p:attrNameLst>
-                                      </p:cBhvr>
-                                      <p:to>
-                                        <p:strVal val="visible"/>
-                                      </p:to>
-                                    </p:set>
-                                  </p:childTnLst>
-                                </p:cTn>
-                              </p:par>
-                            </p:childTnLst>
-                          </p:cTn>
-                        </p:par>
-                      </p:childTnLst>
-                    </p:cTn>
-                  </p:par>
-                  <p:par>
-                    <p:cTn id="7" fill="hold">
-                      <p:stCondLst>
-                        <p:cond delay="indefinite"/>
-                      </p:stCondLst>
-                      <p:childTnLst>
-                        <p:par>
-                          <p:cTn id="8" fill="hold">
-                            <p:stCondLst>
-                              <p:cond delay="0"/>
-                            </p:stCondLst>
-                            <p:childTnLst>
-                              <p:par>
-                                <p:cTn id="9" presetID="1" presetClass="entr" presetSubtype="0" fill="hold" grpId="0" nodeType="clickEffect">
-                                  <p:stCondLst>
-                                    <p:cond delay="0"/>
-                                  </p:stCondLst>
-                                  <p:childTnLst>
-                                    <p:set>
-                                      <p:cBhvr>
-                                        <p:cTn id="10" dur="1" fill="hold">
-                                          <p:stCondLst>
-                                            <p:cond delay="0"/>
-                                          </p:stCondLst>
-                                        </p:cTn>
-                                        <p:tgtEl>
-                                          <p:spTgt spid="3">
-                                            <p:txEl>
-                                              <p:pRg st="2" end="2"/>
-                                            </p:txEl>
-                                          </p:spTgt>
-                                        </p:tgtEl>
-                                        <p:attrNameLst>
-                                          <p:attrName>style.visibility</p:attrName>
-                                        </p:attrNameLst>
-                                      </p:cBhvr>
-                                      <p:to>
-                                        <p:strVal val="visible"/>
-                                      </p:to>
-                                    </p:set>
-                                  </p:childTnLst>
-                                </p:cTn>
-                              </p:par>
-                            </p:childTnLst>
-                          </p:cTn>
-                        </p:par>
-                      </p:childTnLst>
-                    </p:cTn>
-                  </p:par>
-                  <p:par>
-                    <p:cTn id="11" fill="hold">
-                      <p:stCondLst>
-                        <p:cond delay="indefinite"/>
-                      </p:stCondLst>
-                      <p:childTnLst>
-                        <p:par>
-                          <p:cTn id="12" fill="hold">
-                            <p:stCondLst>
-                              <p:cond delay="0"/>
-                            </p:stCondLst>
-                            <p:childTnLst>
-                              <p:par>
-                                <p:cTn id="13" presetID="1" presetClass="entr" presetSubtype="0" fill="hold" grpId="0" nodeType="clickEffect">
-                                  <p:stCondLst>
-                                    <p:cond delay="0"/>
-                                  </p:stCondLst>
-                                  <p:childTnLst>
-                                    <p:set>
-                                      <p:cBhvr>
-                                        <p:cTn id="14" dur="1" fill="hold">
-                                          <p:stCondLst>
-                                            <p:cond delay="0"/>
-                                          </p:stCondLst>
-                                        </p:cTn>
-                                        <p:tgtEl>
-                                          <p:spTgt spid="3">
-                                            <p:txEl>
-                                              <p:pRg st="4" end="4"/>
-                                            </p:txEl>
-                                          </p:spTgt>
-                                        </p:tgtEl>
-                                        <p:attrNameLst>
-                                          <p:attrName>style.visibility</p:attrName>
-                                        </p:attrNameLst>
-                                      </p:cBhvr>
-                                      <p:to>
-                                        <p:strVal val="visible"/>
-                                      </p:to>
-                                    </p:set>
-                                  </p:childTnLst>
-                                </p:cTn>
-                              </p:par>
-                            </p:childTnLst>
-                          </p:cTn>
-                        </p:par>
-                      </p:childTnLst>
-                    </p:cTn>
-                  </p:par>
-                  <p:par>
-                    <p:cTn id="15" fill="hold">
-                      <p:stCondLst>
-                        <p:cond delay="indefinite"/>
-                      </p:stCondLst>
-                      <p:childTnLst>
-                        <p:par>
-                          <p:cTn id="16" fill="hold">
-                            <p:stCondLst>
-                              <p:cond delay="0"/>
-                            </p:stCondLst>
-                            <p:childTnLst>
-                              <p:par>
-                                <p:cTn id="17" presetID="1" presetClass="entr" presetSubtype="0" fill="hold" grpId="0" nodeType="clickEffect">
-                                  <p:stCondLst>
-                                    <p:cond delay="0"/>
-                                  </p:stCondLst>
-                                  <p:childTnLst>
-                                    <p:set>
-                                      <p:cBhvr>
-                                        <p:cTn id="18" dur="1" fill="hold">
-                                          <p:stCondLst>
-                                            <p:cond delay="0"/>
-                                          </p:stCondLst>
-                                        </p:cTn>
-                                        <p:tgtEl>
-                                          <p:spTgt spid="3">
-                                            <p:txEl>
-                                              <p:pRg st="6" end="6"/>
-                                            </p:txEl>
-                                          </p:spTgt>
-                                        </p:tgtEl>
-                                        <p:attrNameLst>
-                                          <p:attrName>style.visibility</p:attrName>
-                                        </p:attrNameLst>
-                                      </p:cBhvr>
-                                      <p:to>
-                                        <p:strVal val="visible"/>
-                                      </p:to>
-                                    </p:set>
-                                  </p:childTnLst>
-                                </p:cTn>
-                              </p:par>
-                            </p:childTnLst>
-                          </p:cTn>
-                        </p:par>
-                      </p:childTnLst>
-                    </p:cTn>
-                  </p:par>
-                  <p:par>
-                    <p:cTn id="19" fill="hold">
-                      <p:stCondLst>
-                        <p:cond delay="indefinite"/>
-                      </p:stCondLst>
-                      <p:childTnLst>
-                        <p:par>
-                          <p:cTn id="20" fill="hold">
-                            <p:stCondLst>
-                              <p:cond delay="0"/>
-                            </p:stCondLst>
-                            <p:childTnLst>
-                              <p:par>
-                                <p:cTn id="21" presetID="1" presetClass="entr" presetSubtype="0" fill="hold" grpId="0" nodeType="clickEffect">
-                                  <p:stCondLst>
-                                    <p:cond delay="0"/>
-                                  </p:stCondLst>
-                                  <p:childTnLst>
-                                    <p:set>
-                                      <p:cBhvr>
-                                        <p:cTn id="22" dur="1" fill="hold">
-                                          <p:stCondLst>
-                                            <p:cond delay="0"/>
-                                          </p:stCondLst>
-                                        </p:cTn>
-                                        <p:tgtEl>
-                                          <p:spTgt spid="3">
-                                            <p:txEl>
-                                              <p:pRg st="8" end="8"/>
-                                            </p:txEl>
-                                          </p:spTgt>
-                                        </p:tgtEl>
-                                        <p:attrNameLst>
-                                          <p:attrName>style.visibility</p:attrName>
-                                        </p:attrNameLst>
-                                      </p:cBhvr>
-                                      <p:to>
-                                        <p:strVal val="visible"/>
-                                      </p:to>
-                                    </p:set>
-                                  </p:childTnLst>
-                                </p:cTn>
-                              </p:par>
-                            </p:childTnLst>
-                          </p:cTn>
-                        </p:par>
-                      </p:childTnLst>
-                    </p:cTn>
-                  </p:par>
-                </p:childTnLst>
-              </p:cTn>
-              <p:prevCondLst>
-                <p:cond evt="onPrev" delay="0">
-                  <p:tgtEl>
-                    <p:sldTgt/>
-                  </p:tgtEl>
-                </p:cond>
-              </p:prevCondLst>
-              <p:nextCondLst>
-                <p:cond evt="onNext" delay="0">
-                  <p:tgtEl>
-                    <p:sldTgt/>
-                  </p:tgtEl>
-                </p:cond>
-              </p:nextCondLst>
-            </p:seq>
-          </p:childTnLst>
-        </p:cTn>
-      </p:par>
-    </p:tnLst>
-    <p:bldLst>
-      <p:bldP spid="3" grpId="0" build="p"/>
-    </p:bldLst>
-  </p:timing>
-</p:sld>
-</file>
-
-<file path=ppt/slides/slide16.xml><?xml version="1.0" encoding="utf-8"?>
-<p:sld xmlns:a="http://schemas.openxmlformats.org/drawingml/2006/main" xmlns:r="http://schemas.openxmlformats.org/officeDocument/2006/relationships" xmlns:p="http://schemas.openxmlformats.org/presentationml/2006/main">
-  <p:cSld>
-    <p:bg>
-      <p:bgPr>
-        <a:solidFill>
-          <a:srgbClr val="F2C80F"/>
-        </a:solidFill>
-        <a:effectLst/>
-      </p:bgPr>
-    </p:bg>
-    <p:spTree>
-      <p:nvGrpSpPr>
-        <p:cNvPr id="1" name=""/>
-        <p:cNvGrpSpPr/>
-        <p:nvPr/>
-      </p:nvGrpSpPr>
-      <p:grpSpPr>
-        <a:xfrm>
-          <a:off x="0" y="0"/>
-          <a:ext cx="0" cy="0"/>
-          <a:chOff x="0" y="0"/>
-          <a:chExt cx="0" cy="0"/>
-        </a:xfrm>
-      </p:grpSpPr>
-      <p:sp>
-        <p:nvSpPr>
-          <p:cNvPr id="16" name="Title 15"/>
-          <p:cNvSpPr>
-            <a:spLocks noGrp="1"/>
-          </p:cNvSpPr>
-          <p:nvPr>
-            <p:ph type="title"/>
-          </p:nvPr>
-        </p:nvSpPr>
-        <p:spPr>
-          <a:xfrm>
-            <a:off x="1426672" y="2185923"/>
-            <a:ext cx="7604124" cy="3629025"/>
-          </a:xfrm>
-        </p:spPr>
-        <p:txBody>
-          <a:bodyPr/>
-          <a:lstStyle/>
-          <a:p>
-            <a:r>
-              <a:rPr lang="en-US" dirty="0">
-                <a:solidFill>
-                  <a:srgbClr val="000000"/>
-                </a:solidFill>
-              </a:rPr>
-              <a:t>Questions</a:t>
-            </a:r>
-          </a:p>
-        </p:txBody>
-      </p:sp>
-      <p:sp>
-        <p:nvSpPr>
-          <p:cNvPr id="4" name="Rectangle 3">
-            <a:extLst>
-              <a:ext uri="{FF2B5EF4-FFF2-40B4-BE49-F238E27FC236}">
-                <a16:creationId xmlns:a16="http://schemas.microsoft.com/office/drawing/2014/main" id="{1D8A1489-8FB9-4FBF-BA2F-7EA5E6B44437}"/>
-              </a:ext>
-            </a:extLst>
-          </p:cNvPr>
-          <p:cNvSpPr/>
-          <p:nvPr/>
-        </p:nvSpPr>
-        <p:spPr bwMode="auto">
-          <a:xfrm>
-            <a:off x="169682" y="6268825"/>
-            <a:ext cx="2215299" cy="650449"/>
-          </a:xfrm>
-          <a:prstGeom prst="rect">
-            <a:avLst/>
-          </a:prstGeom>
-          <a:solidFill>
-            <a:srgbClr val="F2C80F"/>
-          </a:solidFill>
-          <a:ln>
-            <a:noFill/>
-            <a:headEnd type="none" w="med" len="med"/>
-            <a:tailEnd type="none" w="med" len="med"/>
-          </a:ln>
-          <a:effectLst/>
-        </p:spPr>
-        <p:style>
-          <a:lnRef idx="1">
-            <a:schemeClr val="accent2"/>
-          </a:lnRef>
-          <a:fillRef idx="3">
-            <a:schemeClr val="accent2"/>
-          </a:fillRef>
-          <a:effectRef idx="2">
-            <a:schemeClr val="accent2"/>
-          </a:effectRef>
-          <a:fontRef idx="minor">
-            <a:schemeClr val="lt1"/>
-          </a:fontRef>
-        </p:style>
-        <p:txBody>
-          <a:bodyPr rot="0" spcFirstLastPara="0" vertOverflow="overflow" horzOverflow="overflow" vert="horz" wrap="square" lIns="182880" tIns="146304" rIns="182880" bIns="146304" numCol="1" spcCol="0" rtlCol="0" fromWordArt="0" anchor="t" anchorCtr="0" forceAA="0" compatLnSpc="1">
-            <a:prstTxWarp prst="textNoShape">
-              <a:avLst/>
-            </a:prstTxWarp>
-            <a:noAutofit/>
-          </a:bodyPr>
-          <a:lstStyle/>
-          <a:p>
-            <a:pPr algn="ctr" defTabSz="932472" fontAlgn="base">
-              <a:lnSpc>
-                <a:spcPct val="90000"/>
-              </a:lnSpc>
-              <a:spcBef>
-                <a:spcPct val="0"/>
-              </a:spcBef>
-              <a:spcAft>
-                <a:spcPct val="0"/>
-              </a:spcAft>
-            </a:pPr>
-            <a:endParaRPr lang="en-US" sz="2400" err="1">
-              <a:gradFill>
-                <a:gsLst>
-                  <a:gs pos="0">
-                    <a:srgbClr val="FFFFFF"/>
-                  </a:gs>
-                  <a:gs pos="100000">
-                    <a:srgbClr val="FFFFFF"/>
-                  </a:gs>
-                </a:gsLst>
-                <a:lin ang="5400000" scaled="0"/>
-              </a:gradFill>
-              <a:ea typeface="Segoe UI" pitchFamily="34" charset="0"/>
-              <a:cs typeface="Segoe UI" pitchFamily="34" charset="0"/>
-            </a:endParaRPr>
-          </a:p>
-        </p:txBody>
-      </p:sp>
-    </p:spTree>
-    <p:extLst>
-      <p:ext uri="{BB962C8B-B14F-4D97-AF65-F5344CB8AC3E}">
-        <p14:creationId xmlns:p14="http://schemas.microsoft.com/office/powerpoint/2010/main" val="3548281037"/>
-      </p:ext>
-    </p:extLst>
-  </p:cSld>
-  <p:clrMapOvr>
-    <a:overrideClrMapping bg1="lt1" tx1="dk1" bg2="lt2" tx2="dk2" accent1="accent1" accent2="accent2" accent3="accent3" accent4="accent4" accent5="accent5" accent6="accent6" hlink="hlink" folHlink="folHlink"/>
-  </p:clrMapOvr>
-  <p:transition>
-    <p:fade/>
-  </p:transition>
-</p:sld>
-</file>
-
-<file path=ppt/slides/slide2.xml><?xml version="1.0" encoding="utf-8"?>
-<p:sld xmlns:a="http://schemas.openxmlformats.org/drawingml/2006/main" xmlns:r="http://schemas.openxmlformats.org/officeDocument/2006/relationships" xmlns:p="http://schemas.openxmlformats.org/presentationml/2006/main">
-  <p:cSld>
-    <p:bg>
-      <p:bgPr>
-        <a:solidFill>
-          <a:srgbClr val="F2C80F"/>
-        </a:solidFill>
-        <a:effectLst/>
-      </p:bgPr>
-    </p:bg>
-    <p:spTree>
-      <p:nvGrpSpPr>
-        <p:cNvPr id="1" name=""/>
-        <p:cNvGrpSpPr/>
-        <p:nvPr/>
-      </p:nvGrpSpPr>
-      <p:grpSpPr>
-        <a:xfrm>
-          <a:off x="0" y="0"/>
-          <a:ext cx="0" cy="0"/>
-          <a:chOff x="0" y="0"/>
-          <a:chExt cx="0" cy="0"/>
-        </a:xfrm>
-      </p:grpSpPr>
-      <p:sp>
-        <p:nvSpPr>
-          <p:cNvPr id="9" name="Text Placeholder 8">
-            <a:extLst>
-              <a:ext uri="{FF2B5EF4-FFF2-40B4-BE49-F238E27FC236}">
-                <a16:creationId xmlns:a16="http://schemas.microsoft.com/office/drawing/2014/main" id="{ED37EFFF-D41E-43BC-806B-0841F366608D}"/>
-              </a:ext>
-            </a:extLst>
-          </p:cNvPr>
-          <p:cNvSpPr>
-            <a:spLocks noGrp="1"/>
-          </p:cNvSpPr>
-          <p:nvPr>
-            <p:ph type="body" sz="quarter" idx="16"/>
-          </p:nvPr>
-        </p:nvSpPr>
-        <p:spPr>
-          <a:xfrm>
-            <a:off x="474162" y="4944165"/>
-            <a:ext cx="9801726" cy="984885"/>
-          </a:xfrm>
-        </p:spPr>
-        <p:txBody>
-          <a:bodyPr/>
-          <a:lstStyle/>
-          <a:p>
-            <a:pPr lvl="1"/>
-            <a:r>
-              <a:rPr lang="en-US" sz="2800" dirty="0">
-                <a:solidFill>
-                  <a:srgbClr val="000000"/>
-                </a:solidFill>
-              </a:rPr>
-              <a:t>Phil Seamark &amp; Ted Pattison</a:t>
-            </a:r>
-          </a:p>
-          <a:p>
-            <a:pPr lvl="1"/>
-            <a:r>
-              <a:rPr lang="en-US" dirty="0">
-                <a:solidFill>
-                  <a:srgbClr val="000000"/>
-                </a:solidFill>
-              </a:rPr>
-              <a:t>Principal Program Managers</a:t>
-            </a:r>
-          </a:p>
-          <a:p>
-            <a:pPr lvl="1"/>
-            <a:r>
-              <a:rPr lang="en-US" dirty="0">
-                <a:solidFill>
-                  <a:srgbClr val="000000"/>
-                </a:solidFill>
-              </a:rPr>
-              <a:t>Customer Advisory Team (CAT) at Microsoft</a:t>
-            </a:r>
-          </a:p>
-        </p:txBody>
-      </p:sp>
-      <p:sp>
-        <p:nvSpPr>
-          <p:cNvPr id="13" name="Title 6"/>
-          <p:cNvSpPr>
-            <a:spLocks noGrp="1"/>
-          </p:cNvSpPr>
-          <p:nvPr>
-            <p:ph type="title"/>
-          </p:nvPr>
-        </p:nvSpPr>
-        <p:spPr>
-          <a:xfrm>
-            <a:off x="474162" y="2481742"/>
-            <a:ext cx="11053773" cy="1246495"/>
-          </a:xfrm>
-        </p:spPr>
-        <p:txBody>
-          <a:bodyPr/>
-          <a:lstStyle/>
-          <a:p>
-            <a:pPr>
-              <a:lnSpc>
-                <a:spcPct val="100000"/>
-              </a:lnSpc>
-            </a:pPr>
-            <a:r>
-              <a:rPr lang="en-US" sz="3200" dirty="0">
-                <a:solidFill>
-                  <a:srgbClr val="000000"/>
-                </a:solidFill>
-              </a:rPr>
-              <a:t>Power BI Dev Camp – Session 4</a:t>
-            </a:r>
-            <a:br>
-              <a:rPr lang="en-US" dirty="0">
-                <a:solidFill>
-                  <a:srgbClr val="000000"/>
-                </a:solidFill>
-              </a:rPr>
-            </a:br>
-            <a:r>
-              <a:rPr lang="en-US" sz="3700" dirty="0">
-                <a:solidFill>
-                  <a:srgbClr val="000000"/>
-                </a:solidFill>
-              </a:rPr>
-              <a:t>Programing Datasets using the Tabular Object Model</a:t>
-            </a:r>
-          </a:p>
-        </p:txBody>
-      </p:sp>
-      <p:sp>
-        <p:nvSpPr>
-          <p:cNvPr id="6" name="Rectangle 5">
-            <a:extLst>
-              <a:ext uri="{FF2B5EF4-FFF2-40B4-BE49-F238E27FC236}">
-                <a16:creationId xmlns:a16="http://schemas.microsoft.com/office/drawing/2014/main" id="{B5B1245A-3828-4133-831E-FCED6200FEA4}"/>
-              </a:ext>
-            </a:extLst>
-          </p:cNvPr>
-          <p:cNvSpPr/>
-          <p:nvPr/>
-        </p:nvSpPr>
-        <p:spPr bwMode="auto">
-          <a:xfrm>
-            <a:off x="169682" y="6268825"/>
-            <a:ext cx="2215299" cy="650449"/>
-          </a:xfrm>
-          <a:prstGeom prst="rect">
-            <a:avLst/>
-          </a:prstGeom>
-          <a:solidFill>
-            <a:srgbClr val="F2C80F"/>
-          </a:solidFill>
-          <a:ln>
-            <a:noFill/>
-            <a:headEnd type="none" w="med" len="med"/>
-            <a:tailEnd type="none" w="med" len="med"/>
-          </a:ln>
-          <a:effectLst/>
-        </p:spPr>
-        <p:style>
-          <a:lnRef idx="1">
-            <a:schemeClr val="accent2"/>
-          </a:lnRef>
-          <a:fillRef idx="3">
-            <a:schemeClr val="accent2"/>
-          </a:fillRef>
-          <a:effectRef idx="2">
-            <a:schemeClr val="accent2"/>
-          </a:effectRef>
-          <a:fontRef idx="minor">
-            <a:schemeClr val="lt1"/>
-          </a:fontRef>
-        </p:style>
-        <p:txBody>
-          <a:bodyPr rot="0" spcFirstLastPara="0" vertOverflow="overflow" horzOverflow="overflow" vert="horz" wrap="square" lIns="182880" tIns="146304" rIns="182880" bIns="146304" numCol="1" spcCol="0" rtlCol="0" fromWordArt="0" anchor="t" anchorCtr="0" forceAA="0" compatLnSpc="1">
-            <a:prstTxWarp prst="textNoShape">
-              <a:avLst/>
-            </a:prstTxWarp>
-            <a:noAutofit/>
-          </a:bodyPr>
-          <a:lstStyle/>
-          <a:p>
-            <a:pPr algn="ctr" defTabSz="932472" fontAlgn="base">
-              <a:lnSpc>
-                <a:spcPct val="90000"/>
-              </a:lnSpc>
-              <a:spcBef>
-                <a:spcPct val="0"/>
-              </a:spcBef>
-              <a:spcAft>
-                <a:spcPct val="0"/>
-              </a:spcAft>
-            </a:pPr>
-            <a:endParaRPr lang="en-US" sz="2400" err="1">
-              <a:gradFill>
-                <a:gsLst>
-                  <a:gs pos="0">
-                    <a:srgbClr val="FFFFFF"/>
-                  </a:gs>
-                  <a:gs pos="100000">
-                    <a:srgbClr val="FFFFFF"/>
-                  </a:gs>
-                </a:gsLst>
-                <a:lin ang="5400000" scaled="0"/>
-              </a:gradFill>
-              <a:ea typeface="Segoe UI" pitchFamily="34" charset="0"/>
-              <a:cs typeface="Segoe UI" pitchFamily="34" charset="0"/>
-            </a:endParaRPr>
-          </a:p>
-        </p:txBody>
-      </p:sp>
-    </p:spTree>
-    <p:extLst>
-      <p:ext uri="{BB962C8B-B14F-4D97-AF65-F5344CB8AC3E}">
-        <p14:creationId xmlns:p14="http://schemas.microsoft.com/office/powerpoint/2010/main" val="3080107397"/>
-      </p:ext>
-    </p:extLst>
-  </p:cSld>
-  <p:clrMapOvr>
-    <a:overrideClrMapping bg1="lt1" tx1="dk1" bg2="lt2" tx2="dk2" accent1="accent1" accent2="accent2" accent3="accent3" accent4="accent4" accent5="accent5" accent6="accent6" hlink="hlink" folHlink="folHlink"/>
-  </p:clrMapOvr>
-  <mc:AlternateContent xmlns:mc="http://schemas.openxmlformats.org/markup-compatibility/2006" xmlns:p14="http://schemas.microsoft.com/office/powerpoint/2010/main">
-    <mc:Choice Requires="p14">
-      <p:transition spd="med" p14:dur="700">
-        <p:fade/>
-      </p:transition>
-    </mc:Choice>
-    <mc:Fallback xmlns="">
-      <p:transition spd="med">
-        <p:fade/>
-      </p:transition>
-    </mc:Fallback>
-  </mc:AlternateContent>
-</p:sld>
-</file>
-
-<file path=ppt/slides/slide3.xml><?xml version="1.0" encoding="utf-8"?>
-<p:sld xmlns:a="http://schemas.openxmlformats.org/drawingml/2006/main" xmlns:r="http://schemas.openxmlformats.org/officeDocument/2006/relationships" xmlns:p="http://schemas.openxmlformats.org/presentationml/2006/main">
-  <p:cSld>
-    <p:spTree>
-      <p:nvGrpSpPr>
-        <p:cNvPr id="1" name=""/>
-        <p:cNvGrpSpPr/>
-        <p:nvPr/>
-      </p:nvGrpSpPr>
-      <p:grpSpPr>
-        <a:xfrm>
-          <a:off x="0" y="0"/>
-          <a:ext cx="0" cy="0"/>
-          <a:chOff x="0" y="0"/>
-          <a:chExt cx="0" cy="0"/>
-        </a:xfrm>
-      </p:grpSpPr>
-      <p:sp>
-        <p:nvSpPr>
-          <p:cNvPr id="2" name="Title 1">
-            <a:extLst>
-              <a:ext uri="{FF2B5EF4-FFF2-40B4-BE49-F238E27FC236}">
-                <a16:creationId xmlns:a16="http://schemas.microsoft.com/office/drawing/2014/main" id="{2835F895-0FB1-4BE2-995F-1CAC4B7DE93C}"/>
-              </a:ext>
-            </a:extLst>
-          </p:cNvPr>
-          <p:cNvSpPr>
-            <a:spLocks noGrp="1"/>
-          </p:cNvSpPr>
-          <p:nvPr>
-            <p:ph type="title"/>
-          </p:nvPr>
-        </p:nvSpPr>
-        <p:spPr/>
-        <p:txBody>
-          <a:bodyPr/>
-          <a:lstStyle/>
-          <a:p>
-            <a:r>
-              <a:rPr lang="en-US" dirty="0"/>
-              <a:t>Welcome to Power BI Dev Camp</a:t>
-            </a:r>
-          </a:p>
-        </p:txBody>
-      </p:sp>
-      <p:sp>
-        <p:nvSpPr>
-          <p:cNvPr id="14" name="Text Placeholder 13">
-            <a:extLst>
-              <a:ext uri="{FF2B5EF4-FFF2-40B4-BE49-F238E27FC236}">
-                <a16:creationId xmlns:a16="http://schemas.microsoft.com/office/drawing/2014/main" id="{D27F8620-5147-4FFF-A1D6-B0C7C2A20495}"/>
-              </a:ext>
-            </a:extLst>
-          </p:cNvPr>
-          <p:cNvSpPr>
-            <a:spLocks noGrp="1"/>
-          </p:cNvSpPr>
-          <p:nvPr>
-            <p:ph type="body" sz="quarter" idx="10"/>
-          </p:nvPr>
-        </p:nvSpPr>
-        <p:spPr>
-          <a:xfrm>
-            <a:off x="598505" y="1245118"/>
-            <a:ext cx="11239464" cy="427553"/>
-          </a:xfrm>
-        </p:spPr>
-        <p:txBody>
-          <a:bodyPr/>
-          <a:lstStyle/>
-          <a:p>
-            <a:r>
-              <a:rPr lang="en-US" dirty="0"/>
-              <a:t>Power BI Dev Camp Portal - </a:t>
-            </a:r>
-            <a:r>
-              <a:rPr lang="en-US" dirty="0">
-                <a:hlinkClick r:id="rId2"/>
-              </a:rPr>
-              <a:t>https://powerbidevcamp.net</a:t>
-            </a:r>
-            <a:endParaRPr lang="en-US" dirty="0"/>
-          </a:p>
-        </p:txBody>
-      </p:sp>
-      <p:pic>
-        <p:nvPicPr>
-          <p:cNvPr id="4" name="Picture 3">
-            <a:extLst>
-              <a:ext uri="{FF2B5EF4-FFF2-40B4-BE49-F238E27FC236}">
-                <a16:creationId xmlns:a16="http://schemas.microsoft.com/office/drawing/2014/main" id="{648318AB-BAD1-458E-B055-676A556E69D2}"/>
-              </a:ext>
-            </a:extLst>
-          </p:cNvPr>
-          <p:cNvPicPr>
-            <a:picLocks noChangeAspect="1"/>
-          </p:cNvPicPr>
-          <p:nvPr/>
-        </p:nvPicPr>
-        <p:blipFill>
-          <a:blip r:embed="rId3"/>
-          <a:stretch>
-            <a:fillRect/>
-          </a:stretch>
-        </p:blipFill>
-        <p:spPr>
-          <a:xfrm>
-            <a:off x="904973" y="1812224"/>
-            <a:ext cx="8456367" cy="5059751"/>
-          </a:xfrm>
-          <a:prstGeom prst="rect">
-            <a:avLst/>
-          </a:prstGeom>
-        </p:spPr>
-      </p:pic>
-    </p:spTree>
-    <p:extLst>
-      <p:ext uri="{BB962C8B-B14F-4D97-AF65-F5344CB8AC3E}">
-        <p14:creationId xmlns:p14="http://schemas.microsoft.com/office/powerpoint/2010/main" val="152483309"/>
-      </p:ext>
-    </p:extLst>
-  </p:cSld>
-  <p:clrMapOvr>
-    <a:masterClrMapping/>
-  </p:clrMapOvr>
-  <p:transition>
-    <p:fade/>
-  </p:transition>
-</p:sld>
-</file>
-
-<file path=ppt/slides/slide4.xml><?xml version="1.0" encoding="utf-8"?>
-<p:sld xmlns:a="http://schemas.openxmlformats.org/drawingml/2006/main" xmlns:r="http://schemas.openxmlformats.org/officeDocument/2006/relationships" xmlns:p="http://schemas.openxmlformats.org/presentationml/2006/main">
-  <p:cSld>
-    <p:bg>
-      <p:bgPr>
-        <a:solidFill>
-          <a:schemeClr val="accent1"/>
-        </a:solidFill>
-        <a:effectLst/>
-      </p:bgPr>
-    </p:bg>
-    <p:spTree>
-      <p:nvGrpSpPr>
-        <p:cNvPr id="1" name=""/>
-        <p:cNvGrpSpPr/>
-        <p:nvPr/>
-      </p:nvGrpSpPr>
-      <p:grpSpPr>
-        <a:xfrm>
-          <a:off x="0" y="0"/>
-          <a:ext cx="0" cy="0"/>
-          <a:chOff x="0" y="0"/>
-          <a:chExt cx="0" cy="0"/>
-        </a:xfrm>
-      </p:grpSpPr>
-      <p:sp>
-        <p:nvSpPr>
-          <p:cNvPr id="6" name="Title 5">
-            <a:extLst>
-              <a:ext uri="{FF2B5EF4-FFF2-40B4-BE49-F238E27FC236}">
-                <a16:creationId xmlns:a16="http://schemas.microsoft.com/office/drawing/2014/main" id="{E7BF15BD-001C-49B3-9A01-B39DEDA47564}"/>
-              </a:ext>
-            </a:extLst>
-          </p:cNvPr>
-          <p:cNvSpPr>
-            <a:spLocks noGrp="1"/>
-          </p:cNvSpPr>
-          <p:nvPr>
-            <p:ph type="title"/>
-          </p:nvPr>
-        </p:nvSpPr>
-        <p:spPr/>
-        <p:txBody>
-          <a:bodyPr/>
-          <a:lstStyle/>
-          <a:p>
-            <a:r>
-              <a:rPr lang="en-US" dirty="0"/>
-              <a:t>Agenda</a:t>
-            </a:r>
-          </a:p>
-        </p:txBody>
-      </p:sp>
-      <p:sp>
-        <p:nvSpPr>
-          <p:cNvPr id="7" name="Text Placeholder 6">
-            <a:extLst>
-              <a:ext uri="{FF2B5EF4-FFF2-40B4-BE49-F238E27FC236}">
-                <a16:creationId xmlns:a16="http://schemas.microsoft.com/office/drawing/2014/main" id="{61F6BD0B-C4D8-42DE-A3A7-50D8219CE639}"/>
-              </a:ext>
-            </a:extLst>
-          </p:cNvPr>
-          <p:cNvSpPr>
-            <a:spLocks noGrp="1"/>
-          </p:cNvSpPr>
-          <p:nvPr>
-            <p:ph type="body" sz="quarter" idx="11"/>
-          </p:nvPr>
-        </p:nvSpPr>
-        <p:spPr>
-          <a:xfrm>
-            <a:off x="4442092" y="2355794"/>
-            <a:ext cx="7796829" cy="3672800"/>
-          </a:xfrm>
-        </p:spPr>
-        <p:txBody>
-          <a:bodyPr/>
-          <a:lstStyle/>
-          <a:p>
-            <a:pPr marL="466298" indent="-466298">
-              <a:buFont typeface="Wingdings" panose="05000000000000000000" pitchFamily="2" charset="2"/>
-              <a:buChar char="Ø"/>
-            </a:pPr>
-            <a:r>
-              <a:rPr lang="en-US" dirty="0"/>
-              <a:t>Hello World exercise</a:t>
-            </a:r>
-          </a:p>
-          <a:p>
-            <a:pPr marL="466298" indent="-466298">
-              <a:buFont typeface="Arial" panose="020B0604020202020204" pitchFamily="34" charset="0"/>
-              <a:buChar char="•"/>
-            </a:pPr>
-            <a:r>
-              <a:rPr lang="en-US" dirty="0"/>
-              <a:t>Add measures automatically</a:t>
-            </a:r>
-          </a:p>
-          <a:p>
-            <a:pPr marL="466298" indent="-466298">
-              <a:buFont typeface="Arial" panose="020B0604020202020204" pitchFamily="34" charset="0"/>
-              <a:buChar char="•"/>
-            </a:pPr>
-            <a:r>
-              <a:rPr lang="en-US" dirty="0"/>
-              <a:t>Query the model</a:t>
-            </a:r>
-          </a:p>
-          <a:p>
-            <a:pPr marL="466298" indent="-466298">
-              <a:buFont typeface="Arial" panose="020B0604020202020204" pitchFamily="34" charset="0"/>
-              <a:buChar char="•"/>
-            </a:pPr>
-            <a:r>
-              <a:rPr lang="en-US" dirty="0"/>
-              <a:t>Format your DAX</a:t>
-            </a:r>
-          </a:p>
-          <a:p>
-            <a:pPr marL="466298" indent="-466298">
-              <a:buFont typeface="Arial" panose="020B0604020202020204" pitchFamily="34" charset="0"/>
-              <a:buChar char="•"/>
-            </a:pPr>
-            <a:r>
-              <a:rPr lang="en-US" dirty="0"/>
-              <a:t>Build your own helper function</a:t>
-            </a:r>
-          </a:p>
-          <a:p>
-            <a:pPr marL="466298" indent="-466298">
-              <a:buFont typeface="Wingdings" panose="05000000000000000000" pitchFamily="2" charset="2"/>
-              <a:buChar char="Ø"/>
-            </a:pPr>
-            <a:endParaRPr lang="en-US" dirty="0"/>
-          </a:p>
-          <a:p>
-            <a:pPr marL="466298" indent="-466298">
-              <a:buFont typeface="Wingdings" panose="05000000000000000000" pitchFamily="2" charset="2"/>
-              <a:buChar char="Ø"/>
-            </a:pPr>
-            <a:endParaRPr lang="en-US" dirty="0"/>
-          </a:p>
-          <a:p>
-            <a:pPr marL="466298" indent="-466298">
-              <a:buFont typeface="Wingdings" panose="05000000000000000000" pitchFamily="2" charset="2"/>
-              <a:buChar char="§"/>
-            </a:pPr>
-            <a:endParaRPr lang="en-US" dirty="0"/>
-          </a:p>
-        </p:txBody>
-      </p:sp>
-    </p:spTree>
-    <p:extLst>
-      <p:ext uri="{BB962C8B-B14F-4D97-AF65-F5344CB8AC3E}">
-        <p14:creationId xmlns:p14="http://schemas.microsoft.com/office/powerpoint/2010/main" val="258233591"/>
-      </p:ext>
-    </p:extLst>
-  </p:cSld>
-  <p:clrMapOvr>
-    <a:masterClrMapping/>
-  </p:clrMapOvr>
-  <mc:AlternateContent xmlns:mc="http://schemas.openxmlformats.org/markup-compatibility/2006" xmlns:p14="http://schemas.microsoft.com/office/powerpoint/2010/main">
-    <mc:Choice Requires="p14">
-      <p:transition p14:dur="0"/>
-    </mc:Choice>
-    <mc:Fallback xmlns="">
-      <p:transition/>
-    </mc:Fallback>
-  </mc:AlternateContent>
-</p:sld>
-</file>
-
-<file path=ppt/slides/slide5.xml><?xml version="1.0" encoding="utf-8"?>
-<p:sld xmlns:a="http://schemas.openxmlformats.org/drawingml/2006/main" xmlns:r="http://schemas.openxmlformats.org/officeDocument/2006/relationships" xmlns:p="http://schemas.openxmlformats.org/presentationml/2006/main">
-  <p:cSld>
-    <p:spTree>
-      <p:nvGrpSpPr>
-        <p:cNvPr id="1" name=""/>
-        <p:cNvGrpSpPr/>
-        <p:nvPr/>
-      </p:nvGrpSpPr>
-      <p:grpSpPr>
-        <a:xfrm>
-          <a:off x="0" y="0"/>
-          <a:ext cx="0" cy="0"/>
-          <a:chOff x="0" y="0"/>
-          <a:chExt cx="0" cy="0"/>
-        </a:xfrm>
-      </p:grpSpPr>
-      <p:sp>
-        <p:nvSpPr>
-          <p:cNvPr id="3" name="Title 2">
-            <a:extLst>
-              <a:ext uri="{FF2B5EF4-FFF2-40B4-BE49-F238E27FC236}">
-                <a16:creationId xmlns:a16="http://schemas.microsoft.com/office/drawing/2014/main" id="{6E7FE911-4C9E-4503-85D3-6D92DFF05745}"/>
-              </a:ext>
-            </a:extLst>
-          </p:cNvPr>
-          <p:cNvSpPr>
-            <a:spLocks noGrp="1"/>
-          </p:cNvSpPr>
-          <p:nvPr>
-            <p:ph type="title"/>
-          </p:nvPr>
-        </p:nvSpPr>
-        <p:spPr/>
-        <p:txBody>
-          <a:bodyPr/>
-          <a:lstStyle/>
-          <a:p>
-            <a:r>
-              <a:rPr lang="en-US" dirty="0"/>
-              <a:t>Tabular Object Model (TOM)</a:t>
-            </a:r>
-          </a:p>
-        </p:txBody>
-      </p:sp>
-      <p:sp>
-        <p:nvSpPr>
-          <p:cNvPr id="4" name="Text Placeholder 3">
-            <a:extLst>
-              <a:ext uri="{FF2B5EF4-FFF2-40B4-BE49-F238E27FC236}">
-                <a16:creationId xmlns:a16="http://schemas.microsoft.com/office/drawing/2014/main" id="{FD4A79D4-DF1C-4E35-973E-E0113582C70F}"/>
-              </a:ext>
-            </a:extLst>
-          </p:cNvPr>
-          <p:cNvSpPr>
-            <a:spLocks noGrp="1"/>
-          </p:cNvSpPr>
-          <p:nvPr>
-            <p:ph type="body" sz="quarter" idx="10"/>
-          </p:nvPr>
-        </p:nvSpPr>
-        <p:spPr>
-          <a:xfrm>
-            <a:off x="588263" y="1378083"/>
-            <a:ext cx="11239464" cy="5183920"/>
-          </a:xfrm>
-        </p:spPr>
-        <p:txBody>
-          <a:bodyPr/>
-          <a:lstStyle/>
-          <a:p>
-            <a:r>
-              <a:rPr lang="en-US" dirty="0"/>
-              <a:t>TOM is extension of Analysis Management Object (AMO) client library</a:t>
-            </a:r>
-          </a:p>
-          <a:p>
-            <a:pPr lvl="1"/>
-            <a:r>
-              <a:rPr lang="en-US" dirty="0"/>
-              <a:t>created to support programming scenarios for tabular models </a:t>
-            </a:r>
-          </a:p>
-          <a:p>
-            <a:pPr lvl="1"/>
-            <a:r>
-              <a:rPr lang="en-US" dirty="0"/>
-              <a:t>requires compatibility level 1200 and higher</a:t>
-            </a:r>
-          </a:p>
-          <a:p>
-            <a:pPr lvl="1"/>
-            <a:endParaRPr lang="en-US" dirty="0"/>
-          </a:p>
-          <a:p>
-            <a:r>
-              <a:rPr lang="en-US" dirty="0"/>
-              <a:t>TOM provides a programmatic way to handle administrative functions </a:t>
-            </a:r>
-          </a:p>
-          <a:p>
-            <a:pPr lvl="1"/>
-            <a:r>
-              <a:rPr lang="en-US" dirty="0"/>
-              <a:t>creating models</a:t>
-            </a:r>
-          </a:p>
-          <a:p>
-            <a:pPr lvl="1"/>
-            <a:r>
-              <a:rPr lang="en-US" dirty="0"/>
-              <a:t>importing and refreshing data</a:t>
-            </a:r>
-          </a:p>
-          <a:p>
-            <a:pPr lvl="1"/>
-            <a:r>
-              <a:rPr lang="en-US" dirty="0"/>
-              <a:t>assigning roles and permissions</a:t>
-            </a:r>
-          </a:p>
-          <a:p>
-            <a:pPr lvl="1"/>
-            <a:endParaRPr lang="en-US" dirty="0"/>
-          </a:p>
-          <a:p>
-            <a:r>
-              <a:rPr lang="en-US" dirty="0"/>
-              <a:t>TOM requires two assemblies</a:t>
-            </a:r>
-          </a:p>
-          <a:p>
-            <a:pPr lvl="1"/>
-            <a:r>
-              <a:rPr lang="en-US" dirty="0" err="1"/>
-              <a:t>Microsoft.AnalysisServices.Core</a:t>
-            </a:r>
-            <a:endParaRPr lang="en-US" dirty="0"/>
-          </a:p>
-          <a:p>
-            <a:pPr lvl="1"/>
-            <a:r>
-              <a:rPr lang="en-US" dirty="0"/>
-              <a:t>Microsoft.AnalysisServices.Tabular.dll</a:t>
-            </a:r>
-          </a:p>
-        </p:txBody>
-      </p:sp>
-    </p:spTree>
-    <p:extLst>
-      <p:ext uri="{BB962C8B-B14F-4D97-AF65-F5344CB8AC3E}">
-        <p14:creationId xmlns:p14="http://schemas.microsoft.com/office/powerpoint/2010/main" val="2345030452"/>
-      </p:ext>
-    </p:extLst>
-  </p:cSld>
-  <p:clrMapOvr>
-    <a:masterClrMapping/>
-  </p:clrMapOvr>
-  <p:transition>
-    <p:fade/>
-  </p:transition>
-</p:sld>
-</file>
-
-<file path=ppt/slides/slide6.xml><?xml version="1.0" encoding="utf-8"?>
-<p:sld xmlns:a="http://schemas.openxmlformats.org/drawingml/2006/main" xmlns:r="http://schemas.openxmlformats.org/officeDocument/2006/relationships" xmlns:p="http://schemas.openxmlformats.org/presentationml/2006/main">
-  <p:cSld>
-    <p:spTree>
-      <p:nvGrpSpPr>
-        <p:cNvPr id="1" name=""/>
-        <p:cNvGrpSpPr/>
-        <p:nvPr/>
-      </p:nvGrpSpPr>
-      <p:grpSpPr>
-        <a:xfrm>
-          <a:off x="0" y="0"/>
-          <a:ext cx="0" cy="0"/>
-          <a:chOff x="0" y="0"/>
-          <a:chExt cx="0" cy="0"/>
-        </a:xfrm>
-      </p:grpSpPr>
-      <p:sp>
-        <p:nvSpPr>
-          <p:cNvPr id="2" name="Title 1">
-            <a:extLst>
-              <a:ext uri="{FF2B5EF4-FFF2-40B4-BE49-F238E27FC236}">
-                <a16:creationId xmlns:a16="http://schemas.microsoft.com/office/drawing/2014/main" id="{208A89B9-82FF-49E0-9DED-EF853DB8B303}"/>
-              </a:ext>
-            </a:extLst>
-          </p:cNvPr>
-          <p:cNvSpPr>
-            <a:spLocks noGrp="1"/>
-          </p:cNvSpPr>
-          <p:nvPr>
-            <p:ph type="title"/>
-          </p:nvPr>
-        </p:nvSpPr>
-        <p:spPr/>
-        <p:txBody>
-          <a:bodyPr/>
-          <a:lstStyle/>
-          <a:p>
-            <a:endParaRPr lang="en-US"/>
-          </a:p>
-        </p:txBody>
-      </p:sp>
-      <p:pic>
-        <p:nvPicPr>
-          <p:cNvPr id="4" name="Picture 3">
-            <a:extLst>
-              <a:ext uri="{FF2B5EF4-FFF2-40B4-BE49-F238E27FC236}">
-                <a16:creationId xmlns:a16="http://schemas.microsoft.com/office/drawing/2014/main" id="{6C61C577-28DE-488E-819B-948F57CA373F}"/>
-              </a:ext>
-            </a:extLst>
-          </p:cNvPr>
-          <p:cNvPicPr>
-            <a:picLocks noChangeAspect="1"/>
-          </p:cNvPicPr>
-          <p:nvPr/>
-        </p:nvPicPr>
-        <p:blipFill>
-          <a:blip r:embed="rId2"/>
-          <a:stretch>
-            <a:fillRect/>
-          </a:stretch>
-        </p:blipFill>
-        <p:spPr>
-          <a:xfrm>
-            <a:off x="8022210" y="1838934"/>
-            <a:ext cx="3245867" cy="4601593"/>
-          </a:xfrm>
-          <a:prstGeom prst="rect">
-            <a:avLst/>
-          </a:prstGeom>
-          <a:ln>
-            <a:solidFill>
-              <a:schemeClr val="tx1">
-                <a:lumMod val="60000"/>
-                <a:lumOff val="40000"/>
-              </a:schemeClr>
-            </a:solidFill>
-          </a:ln>
-        </p:spPr>
-      </p:pic>
-      <p:pic>
-        <p:nvPicPr>
-          <p:cNvPr id="6" name="Picture 5">
-            <a:extLst>
-              <a:ext uri="{FF2B5EF4-FFF2-40B4-BE49-F238E27FC236}">
-                <a16:creationId xmlns:a16="http://schemas.microsoft.com/office/drawing/2014/main" id="{15E70213-CF72-4884-ADD7-EB3B52ABEDA9}"/>
-              </a:ext>
-            </a:extLst>
-          </p:cNvPr>
-          <p:cNvPicPr>
-            <a:picLocks noChangeAspect="1"/>
-          </p:cNvPicPr>
-          <p:nvPr/>
-        </p:nvPicPr>
-        <p:blipFill>
-          <a:blip r:embed="rId3"/>
-          <a:stretch>
-            <a:fillRect/>
-          </a:stretch>
-        </p:blipFill>
-        <p:spPr>
-          <a:xfrm>
-            <a:off x="1654044" y="1547338"/>
-            <a:ext cx="4886325" cy="4295775"/>
-          </a:xfrm>
-          <a:prstGeom prst="rect">
-            <a:avLst/>
-          </a:prstGeom>
-          <a:ln>
-            <a:solidFill>
-              <a:schemeClr val="tx1">
-                <a:lumMod val="60000"/>
-                <a:lumOff val="40000"/>
-              </a:schemeClr>
-            </a:solidFill>
-          </a:ln>
-        </p:spPr>
-      </p:pic>
-    </p:spTree>
-    <p:extLst>
-      <p:ext uri="{BB962C8B-B14F-4D97-AF65-F5344CB8AC3E}">
-        <p14:creationId xmlns:p14="http://schemas.microsoft.com/office/powerpoint/2010/main" val="3158636842"/>
-      </p:ext>
-    </p:extLst>
-  </p:cSld>
-  <p:clrMapOvr>
-    <a:masterClrMapping/>
-  </p:clrMapOvr>
-  <p:transition>
-    <p:fade/>
-  </p:transition>
-</p:sld>
-</file>
-
-<file path=ppt/slides/slide7.xml><?xml version="1.0" encoding="utf-8"?>
-<p:sld xmlns:a="http://schemas.openxmlformats.org/drawingml/2006/main" xmlns:r="http://schemas.openxmlformats.org/officeDocument/2006/relationships" xmlns:p="http://schemas.openxmlformats.org/presentationml/2006/main">
-  <p:cSld>
-    <p:spTree>
-      <p:nvGrpSpPr>
-        <p:cNvPr id="1" name=""/>
-        <p:cNvGrpSpPr/>
-        <p:nvPr/>
-      </p:nvGrpSpPr>
-      <p:grpSpPr>
-        <a:xfrm>
-          <a:off x="0" y="0"/>
-          <a:ext cx="0" cy="0"/>
-          <a:chOff x="0" y="0"/>
-          <a:chExt cx="0" cy="0"/>
-        </a:xfrm>
-      </p:grpSpPr>
-      <p:sp>
-        <p:nvSpPr>
-          <p:cNvPr id="2" name="Title 1">
-            <a:extLst>
-              <a:ext uri="{FF2B5EF4-FFF2-40B4-BE49-F238E27FC236}">
-                <a16:creationId xmlns:a16="http://schemas.microsoft.com/office/drawing/2014/main" id="{BA448CDD-1813-4A8E-AD5D-E862E720A653}"/>
-              </a:ext>
-            </a:extLst>
-          </p:cNvPr>
-          <p:cNvSpPr>
-            <a:spLocks noGrp="1"/>
-          </p:cNvSpPr>
-          <p:nvPr>
-            <p:ph type="title"/>
-          </p:nvPr>
-        </p:nvSpPr>
-        <p:spPr/>
-        <p:txBody>
-          <a:bodyPr/>
-          <a:lstStyle/>
-          <a:p>
-            <a:r>
-              <a:rPr lang="en-US" dirty="0"/>
-              <a:t>Find Port</a:t>
-            </a:r>
-          </a:p>
-        </p:txBody>
-      </p:sp>
-      <p:sp>
-        <p:nvSpPr>
-          <p:cNvPr id="3" name="Text Placeholder 2">
-            <a:extLst>
-              <a:ext uri="{FF2B5EF4-FFF2-40B4-BE49-F238E27FC236}">
-                <a16:creationId xmlns:a16="http://schemas.microsoft.com/office/drawing/2014/main" id="{717015C5-2838-4DDB-9C0D-01AAD25A210B}"/>
-              </a:ext>
-            </a:extLst>
-          </p:cNvPr>
-          <p:cNvSpPr>
-            <a:spLocks noGrp="1"/>
-          </p:cNvSpPr>
-          <p:nvPr>
-            <p:ph type="body" sz="quarter" idx="10"/>
-          </p:nvPr>
-        </p:nvSpPr>
-        <p:spPr>
-          <a:xfrm>
-            <a:off x="588263" y="1378083"/>
-            <a:ext cx="11239464" cy="1539845"/>
-          </a:xfrm>
-        </p:spPr>
-        <p:txBody>
-          <a:bodyPr/>
-          <a:lstStyle/>
-          <a:p>
-            <a:r>
-              <a:rPr lang="en-US" sz="2000" dirty="0">
-                <a:latin typeface="+mn-lt"/>
-              </a:rPr>
-              <a:t>For downloaded PBIDT</a:t>
-            </a:r>
-          </a:p>
-          <a:p>
-            <a:pPr lvl="1"/>
-            <a:r>
-              <a:rPr lang="en-US" sz="1800" dirty="0"/>
-              <a:t>%</a:t>
-            </a:r>
-            <a:r>
-              <a:rPr lang="en-US" sz="1800" dirty="0" err="1"/>
-              <a:t>LocalAppData</a:t>
-            </a:r>
-            <a:r>
-              <a:rPr lang="en-US" sz="1800" dirty="0"/>
-              <a:t>%\Microsoft\Power BI Desktop\</a:t>
-            </a:r>
-            <a:r>
-              <a:rPr lang="en-US" sz="1800" dirty="0" err="1"/>
-              <a:t>AnalysisServicesWorkspaces</a:t>
-            </a:r>
-            <a:r>
-              <a:rPr lang="en-US" sz="1800" dirty="0"/>
-              <a:t>\Data\msmdsrv.port.txt</a:t>
-            </a:r>
-          </a:p>
-          <a:p>
-            <a:r>
-              <a:rPr lang="en-US" sz="2000" dirty="0">
-                <a:latin typeface="+mn-lt"/>
-              </a:rPr>
-              <a:t>For PBIDT from Store</a:t>
-            </a:r>
-          </a:p>
-          <a:p>
-            <a:pPr lvl="1"/>
-            <a:r>
-              <a:rPr lang="en-US" sz="1800" b="0" i="1" dirty="0">
-                <a:effectLst/>
-              </a:rPr>
-              <a:t>%</a:t>
-            </a:r>
-            <a:r>
-              <a:rPr lang="en-US" sz="1800" b="0" i="1" dirty="0" err="1">
-                <a:effectLst/>
-              </a:rPr>
-              <a:t>userprofile</a:t>
-            </a:r>
-            <a:r>
-              <a:rPr lang="en-US" sz="1800" b="0" i="1" dirty="0">
-                <a:effectLst/>
-              </a:rPr>
-              <a:t>%\Microsoft\Power BI Desktop Store App\</a:t>
-            </a:r>
-            <a:r>
-              <a:rPr lang="en-US" sz="1800" b="0" i="1" dirty="0" err="1">
-                <a:effectLst/>
-              </a:rPr>
-              <a:t>AnalysisServicesWorkspaces</a:t>
-            </a:r>
-            <a:r>
-              <a:rPr lang="en-US" sz="1800" b="0" i="1" dirty="0">
-                <a:effectLst/>
-              </a:rPr>
-              <a:t>\Data\msmdsrv.port.txt</a:t>
-            </a:r>
-            <a:endParaRPr lang="en-US" sz="1800" dirty="0"/>
-          </a:p>
-        </p:txBody>
-      </p:sp>
-      <p:pic>
-        <p:nvPicPr>
-          <p:cNvPr id="5" name="Picture 4">
-            <a:extLst>
-              <a:ext uri="{FF2B5EF4-FFF2-40B4-BE49-F238E27FC236}">
-                <a16:creationId xmlns:a16="http://schemas.microsoft.com/office/drawing/2014/main" id="{9CA28E41-2D23-4533-A4B9-E21480E0B1E8}"/>
-              </a:ext>
-            </a:extLst>
-          </p:cNvPr>
-          <p:cNvPicPr>
-            <a:picLocks noChangeAspect="1"/>
-          </p:cNvPicPr>
-          <p:nvPr/>
-        </p:nvPicPr>
-        <p:blipFill>
-          <a:blip r:embed="rId2"/>
-          <a:stretch>
-            <a:fillRect/>
-          </a:stretch>
-        </p:blipFill>
-        <p:spPr>
-          <a:xfrm>
-            <a:off x="1225478" y="3284813"/>
-            <a:ext cx="5480484" cy="3324228"/>
-          </a:xfrm>
-          <a:prstGeom prst="rect">
-            <a:avLst/>
-          </a:prstGeom>
-          <a:ln>
-            <a:solidFill>
-              <a:schemeClr val="bg2">
-                <a:lumMod val="75000"/>
-              </a:schemeClr>
-            </a:solidFill>
-          </a:ln>
-        </p:spPr>
-      </p:pic>
-    </p:spTree>
-    <p:extLst>
-      <p:ext uri="{BB962C8B-B14F-4D97-AF65-F5344CB8AC3E}">
-        <p14:creationId xmlns:p14="http://schemas.microsoft.com/office/powerpoint/2010/main" val="3656084257"/>
-      </p:ext>
-    </p:extLst>
-  </p:cSld>
-  <p:clrMapOvr>
-    <a:masterClrMapping/>
-  </p:clrMapOvr>
-  <p:transition>
-    <p:fade/>
-  </p:transition>
-</p:sld>
-</file>
-
-<file path=ppt/slides/slide8.xml><?xml version="1.0" encoding="utf-8"?>
-<p:sld xmlns:a="http://schemas.openxmlformats.org/drawingml/2006/main" xmlns:r="http://schemas.openxmlformats.org/officeDocument/2006/relationships" xmlns:p="http://schemas.openxmlformats.org/presentationml/2006/main">
-  <p:cSld>
-    <p:spTree>
-      <p:nvGrpSpPr>
-        <p:cNvPr id="1" name=""/>
-        <p:cNvGrpSpPr/>
-        <p:nvPr/>
-      </p:nvGrpSpPr>
-      <p:grpSpPr>
-        <a:xfrm>
-          <a:off x="0" y="0"/>
-          <a:ext cx="0" cy="0"/>
-          <a:chOff x="0" y="0"/>
-          <a:chExt cx="0" cy="0"/>
-        </a:xfrm>
-      </p:grpSpPr>
-      <p:sp>
-        <p:nvSpPr>
-          <p:cNvPr id="4" name="Title 3">
-            <a:extLst>
-              <a:ext uri="{FF2B5EF4-FFF2-40B4-BE49-F238E27FC236}">
-                <a16:creationId xmlns:a16="http://schemas.microsoft.com/office/drawing/2014/main" id="{9C9B09B2-57EB-4FF5-9DBB-2FC38368C06E}"/>
-              </a:ext>
-            </a:extLst>
-          </p:cNvPr>
-          <p:cNvSpPr>
-            <a:spLocks noGrp="1"/>
-          </p:cNvSpPr>
-          <p:nvPr>
-            <p:ph type="ctrTitle"/>
-          </p:nvPr>
-        </p:nvSpPr>
-        <p:spPr>
-          <a:xfrm>
-            <a:off x="1554560" y="2732361"/>
-            <a:ext cx="9327356" cy="847476"/>
-          </a:xfrm>
-        </p:spPr>
-        <p:txBody>
-          <a:bodyPr/>
-          <a:lstStyle/>
-          <a:p>
-            <a:r>
-              <a:rPr lang="en-NZ" dirty="0"/>
-              <a:t>Programming datasets</a:t>
-            </a:r>
-            <a:endParaRPr lang="en-US" dirty="0"/>
-          </a:p>
-        </p:txBody>
-      </p:sp>
-      <p:sp>
-        <p:nvSpPr>
-          <p:cNvPr id="5" name="Subtitle 4">
-            <a:extLst>
-              <a:ext uri="{FF2B5EF4-FFF2-40B4-BE49-F238E27FC236}">
-                <a16:creationId xmlns:a16="http://schemas.microsoft.com/office/drawing/2014/main" id="{DFB995BF-80F9-4FF2-872F-FEB327C9CCB5}"/>
-              </a:ext>
-            </a:extLst>
-          </p:cNvPr>
-          <p:cNvSpPr>
-            <a:spLocks noGrp="1"/>
-          </p:cNvSpPr>
-          <p:nvPr>
-            <p:ph type="subTitle" idx="1"/>
-          </p:nvPr>
-        </p:nvSpPr>
-        <p:spPr>
-          <a:xfrm>
-            <a:off x="1554560" y="3673745"/>
-            <a:ext cx="9327356" cy="1130118"/>
-          </a:xfrm>
-        </p:spPr>
-        <p:txBody>
-          <a:bodyPr/>
-          <a:lstStyle/>
-          <a:p>
-            <a:r>
-              <a:rPr lang="en-NZ" dirty="0"/>
-              <a:t>Using the Tabular Object Model (TOM)</a:t>
-            </a:r>
-          </a:p>
-          <a:p>
-            <a:endParaRPr lang="en-NZ" dirty="0"/>
-          </a:p>
-          <a:p>
-            <a:r>
-              <a:rPr lang="en-NZ" dirty="0"/>
-              <a:t>Phil Seamark – PBICAT</a:t>
-            </a:r>
-            <a:endParaRPr lang="en-US" dirty="0"/>
-          </a:p>
-        </p:txBody>
-      </p:sp>
-    </p:spTree>
-    <p:extLst>
-      <p:ext uri="{BB962C8B-B14F-4D97-AF65-F5344CB8AC3E}">
-        <p14:creationId xmlns:p14="http://schemas.microsoft.com/office/powerpoint/2010/main" val="1279871509"/>
-      </p:ext>
-    </p:extLst>
-  </p:cSld>
-  <p:clrMapOvr>
-    <a:masterClrMapping/>
-  </p:clrMapOvr>
-</p:sld>
-</file>
-
-<file path=ppt/slides/slide9.xml><?xml version="1.0" encoding="utf-8"?>
-<p:sld xmlns:a="http://schemas.openxmlformats.org/drawingml/2006/main" xmlns:r="http://schemas.openxmlformats.org/officeDocument/2006/relationships" xmlns:p="http://schemas.openxmlformats.org/presentationml/2006/main">
-  <p:cSld>
-    <p:spTree>
-      <p:nvGrpSpPr>
-        <p:cNvPr id="1" name=""/>
-        <p:cNvGrpSpPr/>
-        <p:nvPr/>
-      </p:nvGrpSpPr>
-      <p:grpSpPr>
-        <a:xfrm>
-          <a:off x="0" y="0"/>
-          <a:ext cx="0" cy="0"/>
-          <a:chOff x="0" y="0"/>
-          <a:chExt cx="0" cy="0"/>
-        </a:xfrm>
-      </p:grpSpPr>
-      <p:sp>
-        <p:nvSpPr>
-          <p:cNvPr id="2" name="Title 1">
-            <a:extLst>
-              <a:ext uri="{FF2B5EF4-FFF2-40B4-BE49-F238E27FC236}">
-                <a16:creationId xmlns:a16="http://schemas.microsoft.com/office/drawing/2014/main" id="{B3656D3D-0530-4EC3-BD87-8EA0C7A590DD}"/>
-              </a:ext>
-            </a:extLst>
-          </p:cNvPr>
-          <p:cNvSpPr>
-            <a:spLocks noGrp="1"/>
-          </p:cNvSpPr>
-          <p:nvPr>
-            <p:ph type="title"/>
-          </p:nvPr>
-        </p:nvSpPr>
-        <p:spPr/>
-        <p:txBody>
-          <a:bodyPr/>
-          <a:lstStyle/>
-          <a:p>
-            <a:r>
-              <a:rPr lang="en-NZ" dirty="0"/>
-              <a:t>Agenda</a:t>
-            </a:r>
-            <a:endParaRPr lang="en-US" dirty="0"/>
-          </a:p>
-        </p:txBody>
-      </p:sp>
-      <p:sp>
-        <p:nvSpPr>
-          <p:cNvPr id="3" name="Content Placeholder 2">
-            <a:extLst>
-              <a:ext uri="{FF2B5EF4-FFF2-40B4-BE49-F238E27FC236}">
-                <a16:creationId xmlns:a16="http://schemas.microsoft.com/office/drawing/2014/main" id="{2559A2BB-5125-4AA7-9CDD-2877DED23EF0}"/>
-              </a:ext>
-            </a:extLst>
-          </p:cNvPr>
-          <p:cNvSpPr>
-            <a:spLocks noGrp="1"/>
-          </p:cNvSpPr>
-          <p:nvPr>
-            <p:ph type="body" sz="quarter" idx="10"/>
-          </p:nvPr>
-        </p:nvSpPr>
-        <p:spPr/>
-        <p:txBody>
-          <a:bodyPr>
-            <a:normAutofit lnSpcReduction="10000"/>
-          </a:bodyPr>
-          <a:lstStyle/>
-          <a:p>
-            <a:r>
-              <a:rPr lang="en-NZ" dirty="0"/>
-              <a:t>Hello World exercise</a:t>
-            </a:r>
-          </a:p>
-          <a:p>
-            <a:endParaRPr lang="en-NZ" dirty="0"/>
-          </a:p>
-          <a:p>
-            <a:r>
-              <a:rPr lang="en-NZ" dirty="0"/>
-              <a:t>Add measures automatically</a:t>
-            </a:r>
-          </a:p>
-          <a:p>
-            <a:pPr marL="0" indent="0">
-              <a:buNone/>
-            </a:pPr>
-            <a:endParaRPr lang="en-NZ" dirty="0"/>
-          </a:p>
-          <a:p>
-            <a:r>
-              <a:rPr lang="en-NZ" dirty="0"/>
-              <a:t>Query the model</a:t>
-            </a:r>
-          </a:p>
-          <a:p>
-            <a:endParaRPr lang="en-NZ" dirty="0"/>
-          </a:p>
-          <a:p>
-            <a:r>
-              <a:rPr lang="en-NZ" dirty="0"/>
-              <a:t>Format your DAX</a:t>
-            </a:r>
-          </a:p>
-          <a:p>
-            <a:endParaRPr lang="en-NZ" dirty="0"/>
-          </a:p>
-          <a:p>
-            <a:r>
-              <a:rPr lang="en-US" dirty="0"/>
-              <a:t>Build your own helper function</a:t>
-            </a:r>
-          </a:p>
-        </p:txBody>
-      </p:sp>
-    </p:spTree>
-    <p:extLst>
-      <p:ext uri="{BB962C8B-B14F-4D97-AF65-F5344CB8AC3E}">
-        <p14:creationId xmlns:p14="http://schemas.microsoft.com/office/powerpoint/2010/main" val="1872719441"/>
-      </p:ext>
-    </p:extLst>
-  </p:cSld>
-  <p:clrMapOvr>
-    <a:masterClrMapping/>
-  </p:clrMapOvr>
-  <p:transition>
-    <p:fade/>
-  </p:transition>
-  <p:timing>
-    <p:tnLst>
-      <p:par>
-        <p:cTn id="1" dur="indefinite" restart="never" nodeType="tmRoot">
-          <p:childTnLst>
-            <p:seq concurrent="1" nextAc="seek">
-              <p:cTn id="2" dur="indefinite" nodeType="mainSeq">
-                <p:childTnLst>
-                  <p:par>
-                    <p:cTn id="3" fill="hold">
-                      <p:stCondLst>
-                        <p:cond delay="indefinite"/>
-                      </p:stCondLst>
-                      <p:childTnLst>
-                        <p:par>
-                          <p:cTn id="4" fill="hold">
-                            <p:stCondLst>
-                              <p:cond delay="0"/>
-                            </p:stCondLst>
-                            <p:childTnLst>
-                              <p:par>
-                                <p:cTn id="5" presetID="1" presetClass="entr" presetSubtype="0" fill="hold" nodeType="clickEffect">
-                                  <p:stCondLst>
-                                    <p:cond delay="0"/>
-                                  </p:stCondLst>
-                                  <p:childTnLst>
-                                    <p:set>
-                                      <p:cBhvr>
-                                        <p:cTn id="6" dur="1" fill="hold">
-                                          <p:stCondLst>
-                                            <p:cond delay="0"/>
-                                          </p:stCondLst>
-                                        </p:cTn>
-                                        <p:tgtEl>
-                                          <p:spTgt spid="3">
-                                            <p:txEl>
-                                              <p:pRg st="0" end="0"/>
-                                            </p:txEl>
-                                          </p:spTgt>
-                                        </p:tgtEl>
-                                        <p:attrNameLst>
-                                          <p:attrName>style.visibility</p:attrName>
-                                        </p:attrNameLst>
-                                      </p:cBhvr>
-                                      <p:to>
-                                        <p:strVal val="visible"/>
-                                      </p:to>
-                                    </p:set>
-                                  </p:childTnLst>
-                                </p:cTn>
-                              </p:par>
-                            </p:childTnLst>
-                          </p:cTn>
-                        </p:par>
-                      </p:childTnLst>
-                    </p:cTn>
-                  </p:par>
-                  <p:par>
-                    <p:cTn id="7" fill="hold">
-                      <p:stCondLst>
-                        <p:cond delay="indefinite"/>
-                      </p:stCondLst>
-                      <p:childTnLst>
-                        <p:par>
-                          <p:cTn id="8" fill="hold">
-                            <p:stCondLst>
-                              <p:cond delay="0"/>
-                            </p:stCondLst>
-                            <p:childTnLst>
-                              <p:par>
-                                <p:cTn id="9" presetID="1" presetClass="entr" presetSubtype="0" fill="hold" nodeType="clickEffect">
-                                  <p:stCondLst>
-                                    <p:cond delay="0"/>
-                                  </p:stCondLst>
-                                  <p:childTnLst>
-                                    <p:set>
-                                      <p:cBhvr>
-                                        <p:cTn id="10" dur="1" fill="hold">
-                                          <p:stCondLst>
-                                            <p:cond delay="0"/>
-                                          </p:stCondLst>
-                                        </p:cTn>
-                                        <p:tgtEl>
-                                          <p:spTgt spid="3">
-                                            <p:txEl>
-                                              <p:pRg st="2" end="2"/>
-                                            </p:txEl>
-                                          </p:spTgt>
-                                        </p:tgtEl>
-                                        <p:attrNameLst>
-                                          <p:attrName>style.visibility</p:attrName>
-                                        </p:attrNameLst>
-                                      </p:cBhvr>
-                                      <p:to>
-                                        <p:strVal val="visible"/>
-                                      </p:to>
-                                    </p:set>
-                                  </p:childTnLst>
-                                </p:cTn>
-                              </p:par>
-                            </p:childTnLst>
-                          </p:cTn>
-                        </p:par>
-                      </p:childTnLst>
-                    </p:cTn>
-                  </p:par>
-                  <p:par>
-                    <p:cTn id="11" fill="hold">
-                      <p:stCondLst>
-                        <p:cond delay="indefinite"/>
-                      </p:stCondLst>
-                      <p:childTnLst>
-                        <p:par>
-                          <p:cTn id="12" fill="hold">
-                            <p:stCondLst>
-                              <p:cond delay="0"/>
-                            </p:stCondLst>
-                            <p:childTnLst>
-                              <p:par>
-                                <p:cTn id="13" presetID="1" presetClass="entr" presetSubtype="0" fill="hold" nodeType="clickEffect">
-                                  <p:stCondLst>
-                                    <p:cond delay="0"/>
-                                  </p:stCondLst>
-                                  <p:childTnLst>
-                                    <p:set>
-                                      <p:cBhvr>
-                                        <p:cTn id="14" dur="1" fill="hold">
-                                          <p:stCondLst>
-                                            <p:cond delay="0"/>
-                                          </p:stCondLst>
-                                        </p:cTn>
-                                        <p:tgtEl>
-                                          <p:spTgt spid="3">
-                                            <p:txEl>
-                                              <p:pRg st="4" end="4"/>
-                                            </p:txEl>
-                                          </p:spTgt>
-                                        </p:tgtEl>
-                                        <p:attrNameLst>
-                                          <p:attrName>style.visibility</p:attrName>
-                                        </p:attrNameLst>
-                                      </p:cBhvr>
-                                      <p:to>
-                                        <p:strVal val="visible"/>
-                                      </p:to>
-                                    </p:set>
-                                  </p:childTnLst>
-                                </p:cTn>
-                              </p:par>
-                            </p:childTnLst>
-                          </p:cTn>
-                        </p:par>
-                      </p:childTnLst>
-                    </p:cTn>
-                  </p:par>
-                  <p:par>
-                    <p:cTn id="15" fill="hold">
-                      <p:stCondLst>
-                        <p:cond delay="indefinite"/>
-                      </p:stCondLst>
-                      <p:childTnLst>
-                        <p:par>
-                          <p:cTn id="16" fill="hold">
-                            <p:stCondLst>
-                              <p:cond delay="0"/>
-                            </p:stCondLst>
-                            <p:childTnLst>
-                              <p:par>
-                                <p:cTn id="17" presetID="1" presetClass="entr" presetSubtype="0" fill="hold" nodeType="clickEffect">
-                                  <p:stCondLst>
-                                    <p:cond delay="0"/>
-                                  </p:stCondLst>
-                                  <p:childTnLst>
-                                    <p:set>
-                                      <p:cBhvr>
-                                        <p:cTn id="18" dur="1" fill="hold">
-                                          <p:stCondLst>
-                                            <p:cond delay="0"/>
-                                          </p:stCondLst>
-                                        </p:cTn>
-                                        <p:tgtEl>
-                                          <p:spTgt spid="3">
-                                            <p:txEl>
-                                              <p:pRg st="6" end="6"/>
-                                            </p:txEl>
-                                          </p:spTgt>
-                                        </p:tgtEl>
-                                        <p:attrNameLst>
-                                          <p:attrName>style.visibility</p:attrName>
-                                        </p:attrNameLst>
-                                      </p:cBhvr>
-                                      <p:to>
-                                        <p:strVal val="visible"/>
-                                      </p:to>
-                                    </p:set>
-                                  </p:childTnLst>
-                                </p:cTn>
-                              </p:par>
-                            </p:childTnLst>
-                          </p:cTn>
-                        </p:par>
-                      </p:childTnLst>
-                    </p:cTn>
-                  </p:par>
-                  <p:par>
-                    <p:cTn id="19" fill="hold">
-                      <p:stCondLst>
-                        <p:cond delay="indefinite"/>
-                      </p:stCondLst>
-                      <p:childTnLst>
-                        <p:par>
-                          <p:cTn id="20" fill="hold">
-                            <p:stCondLst>
-                              <p:cond delay="0"/>
-                            </p:stCondLst>
-                            <p:childTnLst>
-                              <p:par>
-                                <p:cTn id="21" presetID="1" presetClass="entr" presetSubtype="0" fill="hold" nodeType="clickEffect">
-                                  <p:stCondLst>
-                                    <p:cond delay="0"/>
-                                  </p:stCondLst>
-                                  <p:childTnLst>
-                                    <p:set>
-                                      <p:cBhvr>
-                                        <p:cTn id="22" dur="1" fill="hold">
-                                          <p:stCondLst>
-                                            <p:cond delay="0"/>
-                                          </p:stCondLst>
-                                        </p:cTn>
-                                        <p:tgtEl>
-                                          <p:spTgt spid="3">
-                                            <p:txEl>
-                                              <p:pRg st="8" end="8"/>
-                                            </p:txEl>
-                                          </p:spTgt>
-                                        </p:tgtEl>
-                                        <p:attrNameLst>
-                                          <p:attrName>style.visibility</p:attrName>
-                                        </p:attrNameLst>
-                                      </p:cBhvr>
-                                      <p:to>
-                                        <p:strVal val="visible"/>
-                                      </p:to>
-                                    </p:set>
-                                  </p:childTnLst>
-                                </p:cTn>
-                              </p:par>
-                            </p:childTnLst>
-                          </p:cTn>
-                        </p:par>
-                      </p:childTnLst>
-                    </p:cTn>
-                  </p:par>
-                </p:childTnLst>
-              </p:cTn>
-              <p:prevCondLst>
-                <p:cond evt="onPrev" delay="0">
-                  <p:tgtEl>
-                    <p:sldTgt/>
-                  </p:tgtEl>
-                </p:cond>
-              </p:prevCondLst>
-              <p:nextCondLst>
-                <p:cond evt="onNext" delay="0">
-                  <p:tgtEl>
-                    <p:sldTgt/>
-                  </p:tgtEl>
-                </p:cond>
-              </p:nextCondLst>
-            </p:seq>
-          </p:childTnLst>
-        </p:cTn>
-      </p:par>
-    </p:tnLst>
   </p:timing>
 </p:sld>
 </file>
@@ -8874,21 +8057,6 @@
 </file>
 
 <file path=customXml/item1.xml><?xml version="1.0" encoding="utf-8"?>
-<?mso-contentType ?>
-<FormTemplates xmlns="http://schemas.microsoft.com/sharepoint/v3/contenttype/forms">
-  <Display>DocumentLibraryForm</Display>
-  <Edit>DocumentLibraryForm</Edit>
-  <New>DocumentLibraryForm</New>
-</FormTemplates>
-</file>
-
-<file path=customXml/item2.xml><?xml version="1.0" encoding="utf-8"?>
-<p:properties xmlns:p="http://schemas.microsoft.com/office/2006/metadata/properties" xmlns:xsi="http://www.w3.org/2001/XMLSchema-instance" xmlns:pc="http://schemas.microsoft.com/office/infopath/2007/PartnerControls">
-  <documentManagement/>
-</p:properties>
-</file>
-
-<file path=customXml/item3.xml><?xml version="1.0" encoding="utf-8"?>
 <ct:contentTypeSchema xmlns:ct="http://schemas.microsoft.com/office/2006/metadata/contentType" xmlns:ma="http://schemas.microsoft.com/office/2006/metadata/properties/metaAttributes" ct:_="" ma:_="" ma:contentTypeName="Document" ma:contentTypeID="0x0101000937CBA2829AB54C847AA138BDB6DD62" ma:contentTypeVersion="6" ma:contentTypeDescription="Create a new document." ma:contentTypeScope="" ma:versionID="0f7e39fa3406a6f330081ac46f53a9d2">
   <xsd:schema xmlns:xsd="http://www.w3.org/2001/XMLSchema" xmlns:xs="http://www.w3.org/2001/XMLSchema" xmlns:p="http://schemas.microsoft.com/office/2006/metadata/properties" xmlns:ns2="ef38329b-e139-4eb4-9d7a-1b84c79a6610" targetNamespace="http://schemas.microsoft.com/office/2006/metadata/properties" ma:root="true" ma:fieldsID="c5e10262f8d934c139771ac03f38712c" ns2:_="">
     <xsd:import namespace="ef38329b-e139-4eb4-9d7a-1b84c79a6610"/>
@@ -9040,10 +8208,35 @@
 </ct:contentTypeSchema>
 </file>
 
+<file path=customXml/item2.xml><?xml version="1.0" encoding="utf-8"?>
+<p:properties xmlns:p="http://schemas.microsoft.com/office/2006/metadata/properties" xmlns:xsi="http://www.w3.org/2001/XMLSchema-instance" xmlns:pc="http://schemas.microsoft.com/office/infopath/2007/PartnerControls">
+  <documentManagement/>
+</p:properties>
+</file>
+
+<file path=customXml/item3.xml><?xml version="1.0" encoding="utf-8"?>
+<?mso-contentType ?>
+<FormTemplates xmlns="http://schemas.microsoft.com/sharepoint/v3/contenttype/forms">
+  <Display>DocumentLibraryForm</Display>
+  <Edit>DocumentLibraryForm</Edit>
+  <New>DocumentLibraryForm</New>
+</FormTemplates>
+</file>
+
 <file path=customXml/itemProps1.xml><?xml version="1.0" encoding="utf-8"?>
-<ds:datastoreItem xmlns:ds="http://schemas.openxmlformats.org/officeDocument/2006/customXml" ds:itemID="{758FDAC0-319D-4A54-8D8E-1D42CB1F8004}">
+<ds:datastoreItem xmlns:ds="http://schemas.openxmlformats.org/officeDocument/2006/customXml" ds:itemID="{A4052A8C-2220-4E4B-95E2-C05C9863F10E}">
   <ds:schemaRefs>
-    <ds:schemaRef ds:uri="http://schemas.microsoft.com/sharepoint/v3/contenttype/forms"/>
+    <ds:schemaRef ds:uri="ef38329b-e139-4eb4-9d7a-1b84c79a6610"/>
+    <ds:schemaRef ds:uri="http://purl.org/dc/elements/1.1/"/>
+    <ds:schemaRef ds:uri="http://purl.org/dc/terms/"/>
+    <ds:schemaRef ds:uri="http://schemas.microsoft.com/internal/obd"/>
+    <ds:schemaRef ds:uri="http://schemas.microsoft.com/office/2006/documentManagement/types"/>
+    <ds:schemaRef ds:uri="http://schemas.microsoft.com/office/2006/metadata/contentType"/>
+    <ds:schemaRef ds:uri="http://schemas.microsoft.com/office/2006/metadata/properties"/>
+    <ds:schemaRef ds:uri="http://schemas.microsoft.com/office/2006/metadata/properties/metaAttributes"/>
+    <ds:schemaRef ds:uri="http://schemas.microsoft.com/office/infopath/2007/PartnerControls"/>
+    <ds:schemaRef ds:uri="http://schemas.openxmlformats.org/package/2006/metadata/core-properties"/>
+    <ds:schemaRef ds:uri="http://www.w3.org/2001/XMLSchema"/>
   </ds:schemaRefs>
 </ds:datastoreItem>
 </file>
@@ -9065,19 +8258,9 @@
 </file>
 
 <file path=customXml/itemProps3.xml><?xml version="1.0" encoding="utf-8"?>
-<ds:datastoreItem xmlns:ds="http://schemas.openxmlformats.org/officeDocument/2006/customXml" ds:itemID="{A4052A8C-2220-4E4B-95E2-C05C9863F10E}">
+<ds:datastoreItem xmlns:ds="http://schemas.openxmlformats.org/officeDocument/2006/customXml" ds:itemID="{758FDAC0-319D-4A54-8D8E-1D42CB1F8004}">
   <ds:schemaRefs>
-    <ds:schemaRef ds:uri="ef38329b-e139-4eb4-9d7a-1b84c79a6610"/>
-    <ds:schemaRef ds:uri="http://purl.org/dc/elements/1.1/"/>
-    <ds:schemaRef ds:uri="http://purl.org/dc/terms/"/>
-    <ds:schemaRef ds:uri="http://schemas.microsoft.com/internal/obd"/>
-    <ds:schemaRef ds:uri="http://schemas.microsoft.com/office/2006/documentManagement/types"/>
-    <ds:schemaRef ds:uri="http://schemas.microsoft.com/office/2006/metadata/contentType"/>
-    <ds:schemaRef ds:uri="http://schemas.microsoft.com/office/2006/metadata/properties"/>
-    <ds:schemaRef ds:uri="http://schemas.microsoft.com/office/2006/metadata/properties/metaAttributes"/>
-    <ds:schemaRef ds:uri="http://schemas.microsoft.com/office/infopath/2007/PartnerControls"/>
-    <ds:schemaRef ds:uri="http://schemas.openxmlformats.org/package/2006/metadata/core-properties"/>
-    <ds:schemaRef ds:uri="http://www.w3.org/2001/XMLSchema"/>
+    <ds:schemaRef ds:uri="http://schemas.microsoft.com/sharepoint/v3/contenttype/forms"/>
   </ds:schemaRefs>
 </ds:datastoreItem>
 </file>